--- a/MoaAndroidIDMng/doc/[모아플래닛] 안드로이드 인증 라이브러리 구조_2019_0325_v0.4.pptx
+++ b/MoaAndroidIDMng/doc/[모아플래닛] 안드로이드 인증 라이브러리 구조_2019_0325_v0.4.pptx
@@ -154,7 +154,7 @@
   </p:defaultTextStyle>
   <p:extLst>
     <p:ext uri="{521415D9-36F7-43E2-AB2F-B90AF26B5E84}">
-      <p14:sectionLst xmlns:p14="http://schemas.microsoft.com/office/powerpoint/2010/main" xmlns="">
+      <p14:sectionLst xmlns="" xmlns:p14="http://schemas.microsoft.com/office/powerpoint/2010/main">
         <p14:section name="기본 구역" id="{34FAFDF9-3BC1-45CB-A2D3-7EC08A8EFBCC}">
           <p14:sldIdLst>
             <p14:sldId id="714"/>
@@ -8820,8 +8820,8 @@
     <dgm:cxn modelId="{3E6FB6BA-ED79-4563-BE60-3B138B82146E}" type="presOf" srcId="{E7E56E56-82FA-420C-AF9B-14650ED5BACE}" destId="{71BF3D56-1BDC-43FB-A64F-D580424C798E}" srcOrd="0" destOrd="0" presId="urn:microsoft.com/office/officeart/2005/8/layout/process2"/>
     <dgm:cxn modelId="{1739F794-1014-4A15-8A8B-D3C99857C44F}" srcId="{DE1B31F5-997B-4285-BCFC-40779204E912}" destId="{0549CA83-5F17-4C26-BD3B-113F410D299D}" srcOrd="2" destOrd="0" parTransId="{DD06CF62-ACD6-4A10-B3CE-DE76D8B4207F}" sibTransId="{91B5343C-DC98-4E5E-9EEC-EC6247A59C4D}"/>
     <dgm:cxn modelId="{8BBF8DDC-892C-46D9-9643-BBCC123D1055}" type="presOf" srcId="{0549CA83-5F17-4C26-BD3B-113F410D299D}" destId="{3DD798C0-0F8F-43F2-9DFD-823162266C10}" srcOrd="0" destOrd="0" presId="urn:microsoft.com/office/officeart/2005/8/layout/process2"/>
+    <dgm:cxn modelId="{BACB558E-1C4C-4F30-A7D9-97F65BAB4C90}" type="presOf" srcId="{AE7ABB9B-1184-4EA2-A0FC-FC8F519719D1}" destId="{9D061BC5-C4E8-4A38-BE03-31D569603847}" srcOrd="0" destOrd="0" presId="urn:microsoft.com/office/officeart/2005/8/layout/process2"/>
     <dgm:cxn modelId="{EA99B348-A6A1-4CA7-BA36-356EDB761DD1}" type="presOf" srcId="{1204F9D0-2CAB-4201-98A6-B3EC5AB63515}" destId="{F0E920E0-20CD-415D-91C4-8A214E8E0170}" srcOrd="0" destOrd="0" presId="urn:microsoft.com/office/officeart/2005/8/layout/process2"/>
-    <dgm:cxn modelId="{BACB558E-1C4C-4F30-A7D9-97F65BAB4C90}" type="presOf" srcId="{AE7ABB9B-1184-4EA2-A0FC-FC8F519719D1}" destId="{9D061BC5-C4E8-4A38-BE03-31D569603847}" srcOrd="0" destOrd="0" presId="urn:microsoft.com/office/officeart/2005/8/layout/process2"/>
     <dgm:cxn modelId="{CB7F4D5B-9A9D-40E2-B0D2-49ED7663C132}" type="presOf" srcId="{91B5343C-DC98-4E5E-9EEC-EC6247A59C4D}" destId="{25F17434-992A-411C-B424-59623C6B23E8}" srcOrd="1" destOrd="0" presId="urn:microsoft.com/office/officeart/2005/8/layout/process2"/>
     <dgm:cxn modelId="{8FBA0491-2F73-4103-A91D-E8E045831C49}" type="presOf" srcId="{3C803EB9-3AA5-4C1A-82CA-0EC10ACD0F14}" destId="{8EE4CDA5-F33A-4A83-BF06-0CE546641BD4}" srcOrd="0" destOrd="0" presId="urn:microsoft.com/office/officeart/2005/8/layout/process2"/>
     <dgm:cxn modelId="{26E67A28-C0AA-40EB-B0B1-63C9823AF258}" type="presParOf" srcId="{ABF6AB0C-DAA2-4525-B3F7-C82F42CA524E}" destId="{7A4CC4A4-44AC-4F1B-99EE-BC718C9456EB}" srcOrd="0" destOrd="0" presId="urn:microsoft.com/office/officeart/2005/8/layout/process2"/>
@@ -8844,10 +8844,10 @@
   <dgm:whole/>
   <dgm:extLst>
     <a:ext uri="http://schemas.microsoft.com/office/drawing/2008/diagram">
-      <dsp:dataModelExt xmlns:dsp="http://schemas.microsoft.com/office/drawing/2008/diagram" xmlns="" relId="rId6" minVer="http://schemas.openxmlformats.org/drawingml/2006/diagram"/>
+      <dsp:dataModelExt xmlns="" xmlns:dsp="http://schemas.microsoft.com/office/drawing/2008/diagram" relId="rId6" minVer="http://schemas.openxmlformats.org/drawingml/2006/diagram"/>
     </a:ext>
     <a:ext uri="{C62137D5-CB1D-491B-B009-E17868A290BF}">
-      <dgm14:recolorImg xmlns:dgm14="http://schemas.microsoft.com/office/drawing/2010/diagram" xmlns="" val="1"/>
+      <dgm14:recolorImg xmlns="" xmlns:dgm14="http://schemas.microsoft.com/office/drawing/2010/diagram" val="1"/>
     </a:ext>
   </dgm:extLst>
 </dgm:dataModel>
@@ -9361,7 +9361,7 @@
   <dgm:whole/>
   <dgm:extLst>
     <a:ext uri="http://schemas.microsoft.com/office/drawing/2008/diagram">
-      <dsp:dataModelExt xmlns:dsp="http://schemas.microsoft.com/office/drawing/2008/diagram" xmlns="" relId="rId11" minVer="http://schemas.openxmlformats.org/drawingml/2006/diagram"/>
+      <dsp:dataModelExt xmlns="" xmlns:dsp="http://schemas.microsoft.com/office/drawing/2008/diagram" relId="rId11" minVer="http://schemas.openxmlformats.org/drawingml/2006/diagram"/>
     </a:ext>
   </dgm:extLst>
 </dgm:dataModel>
@@ -9899,10 +9899,10 @@
   <dgm:whole/>
   <dgm:extLst>
     <a:ext uri="http://schemas.microsoft.com/office/drawing/2008/diagram">
-      <dsp:dataModelExt xmlns:dsp="http://schemas.microsoft.com/office/drawing/2008/diagram" xmlns="" relId="rId11" minVer="http://schemas.openxmlformats.org/drawingml/2006/diagram"/>
+      <dsp:dataModelExt xmlns="" xmlns:dsp="http://schemas.microsoft.com/office/drawing/2008/diagram" relId="rId11" minVer="http://schemas.openxmlformats.org/drawingml/2006/diagram"/>
     </a:ext>
     <a:ext uri="{C62137D5-CB1D-491B-B009-E17868A290BF}">
-      <dgm14:recolorImg xmlns:dgm14="http://schemas.microsoft.com/office/drawing/2010/diagram" xmlns="" val="1"/>
+      <dgm14:recolorImg xmlns="" xmlns:dgm14="http://schemas.microsoft.com/office/drawing/2010/diagram" val="1"/>
     </a:ext>
   </dgm:extLst>
 </dgm:dataModel>
@@ -10517,7 +10517,7 @@
   <dgm:whole/>
   <dgm:extLst>
     <a:ext uri="http://schemas.microsoft.com/office/drawing/2008/diagram">
-      <dsp:dataModelExt xmlns:dsp="http://schemas.microsoft.com/office/drawing/2008/diagram" xmlns="" relId="rId6" minVer="http://schemas.openxmlformats.org/drawingml/2006/diagram"/>
+      <dsp:dataModelExt xmlns="" xmlns:dsp="http://schemas.microsoft.com/office/drawing/2008/diagram" relId="rId6" minVer="http://schemas.openxmlformats.org/drawingml/2006/diagram"/>
     </a:ext>
   </dgm:extLst>
 </dgm:dataModel>
@@ -11132,7 +11132,7 @@
   <dgm:whole/>
   <dgm:extLst>
     <a:ext uri="http://schemas.microsoft.com/office/drawing/2008/diagram">
-      <dsp:dataModelExt xmlns:dsp="http://schemas.microsoft.com/office/drawing/2008/diagram" xmlns="" relId="rId11" minVer="http://schemas.openxmlformats.org/drawingml/2006/diagram"/>
+      <dsp:dataModelExt xmlns="" xmlns:dsp="http://schemas.microsoft.com/office/drawing/2008/diagram" relId="rId11" minVer="http://schemas.openxmlformats.org/drawingml/2006/diagram"/>
     </a:ext>
   </dgm:extLst>
 </dgm:dataModel>
@@ -11545,7 +11545,7 @@
   <dgm:whole/>
   <dgm:extLst>
     <a:ext uri="http://schemas.microsoft.com/office/drawing/2008/diagram">
-      <dsp:dataModelExt xmlns:dsp="http://schemas.microsoft.com/office/drawing/2008/diagram" xmlns="" relId="rId7" minVer="http://schemas.openxmlformats.org/drawingml/2006/diagram"/>
+      <dsp:dataModelExt xmlns="" xmlns:dsp="http://schemas.microsoft.com/office/drawing/2008/diagram" relId="rId7" minVer="http://schemas.openxmlformats.org/drawingml/2006/diagram"/>
     </a:ext>
   </dgm:extLst>
 </dgm:dataModel>
@@ -11958,7 +11958,7 @@
   <dgm:whole/>
   <dgm:extLst>
     <a:ext uri="http://schemas.microsoft.com/office/drawing/2008/diagram">
-      <dsp:dataModelExt xmlns:dsp="http://schemas.microsoft.com/office/drawing/2008/diagram" xmlns="" relId="rId12" minVer="http://schemas.openxmlformats.org/drawingml/2006/diagram"/>
+      <dsp:dataModelExt xmlns="" xmlns:dsp="http://schemas.microsoft.com/office/drawing/2008/diagram" relId="rId12" minVer="http://schemas.openxmlformats.org/drawingml/2006/diagram"/>
     </a:ext>
   </dgm:extLst>
 </dgm:dataModel>
@@ -12472,7 +12472,7 @@
   <dgm:whole/>
   <dgm:extLst>
     <a:ext uri="http://schemas.microsoft.com/office/drawing/2008/diagram">
-      <dsp:dataModelExt xmlns:dsp="http://schemas.microsoft.com/office/drawing/2008/diagram" xmlns="" relId="rId6" minVer="http://schemas.openxmlformats.org/drawingml/2006/diagram"/>
+      <dsp:dataModelExt xmlns="" xmlns:dsp="http://schemas.microsoft.com/office/drawing/2008/diagram" relId="rId6" minVer="http://schemas.openxmlformats.org/drawingml/2006/diagram"/>
     </a:ext>
   </dgm:extLst>
 </dgm:dataModel>
@@ -12986,7 +12986,7 @@
   <dgm:whole/>
   <dgm:extLst>
     <a:ext uri="http://schemas.microsoft.com/office/drawing/2008/diagram">
-      <dsp:dataModelExt xmlns:dsp="http://schemas.microsoft.com/office/drawing/2008/diagram" xmlns="" relId="rId11" minVer="http://schemas.openxmlformats.org/drawingml/2006/diagram"/>
+      <dsp:dataModelExt xmlns="" xmlns:dsp="http://schemas.microsoft.com/office/drawing/2008/diagram" relId="rId11" minVer="http://schemas.openxmlformats.org/drawingml/2006/diagram"/>
     </a:ext>
   </dgm:extLst>
 </dgm:dataModel>
@@ -13500,7 +13500,7 @@
   <dgm:whole/>
   <dgm:extLst>
     <a:ext uri="http://schemas.microsoft.com/office/drawing/2008/diagram">
-      <dsp:dataModelExt xmlns:dsp="http://schemas.microsoft.com/office/drawing/2008/diagram" xmlns="" relId="rId6" minVer="http://schemas.openxmlformats.org/drawingml/2006/diagram"/>
+      <dsp:dataModelExt xmlns="" xmlns:dsp="http://schemas.microsoft.com/office/drawing/2008/diagram" relId="rId6" minVer="http://schemas.openxmlformats.org/drawingml/2006/diagram"/>
     </a:ext>
   </dgm:extLst>
 </dgm:dataModel>
@@ -32467,7 +32467,7 @@
             <a:fld id="{09DFF6E6-0D78-4968-AAA9-33D23D76FDCF}" type="datetime1">
               <a:rPr lang="ko-KR" altLang="en-US" smtClean="0"/>
               <a:pPr/>
-              <a:t>2019-03-25</a:t>
+              <a:t>2019-03-26</a:t>
             </a:fld>
             <a:endParaRPr lang="en-US" altLang="ko-KR"/>
           </a:p>
@@ -32571,7 +32571,7 @@
     </p:spTree>
     <p:extLst>
       <p:ext uri="{BB962C8B-B14F-4D97-AF65-F5344CB8AC3E}">
-        <p14:creationId xmlns:p14="http://schemas.microsoft.com/office/powerpoint/2010/main" xmlns="" val="3162905657"/>
+        <p14:creationId xmlns="" xmlns:p14="http://schemas.microsoft.com/office/powerpoint/2010/main" val="3162905657"/>
       </p:ext>
     </p:extLst>
   </p:cSld>
@@ -32694,7 +32694,7 @@
             <a:fld id="{12C64DE7-B9F5-4C1E-B024-9977568C7523}" type="datetime1">
               <a:rPr lang="ko-KR" altLang="en-US" smtClean="0"/>
               <a:pPr/>
-              <a:t>2019-03-25</a:t>
+              <a:t>2019-03-26</a:t>
             </a:fld>
             <a:endParaRPr lang="en-US" altLang="ko-KR"/>
           </a:p>
@@ -32899,7 +32899,7 @@
     </p:spTree>
     <p:extLst>
       <p:ext uri="{BB962C8B-B14F-4D97-AF65-F5344CB8AC3E}">
-        <p14:creationId xmlns:p14="http://schemas.microsoft.com/office/powerpoint/2010/main" xmlns="" val="2813614352"/>
+        <p14:creationId xmlns="" xmlns:p14="http://schemas.microsoft.com/office/powerpoint/2010/main" val="2813614352"/>
       </p:ext>
     </p:extLst>
   </p:cSld>
@@ -34382,17 +34382,7 @@
                 <a:latin typeface="Arial" pitchFamily="34" charset="0"/>
                 <a:cs typeface="Arial" pitchFamily="34" charset="0"/>
               </a:rPr>
-              <a:t>Final : 2019.  03.  </a:t>
-            </a:r>
-            <a:r>
-              <a:rPr kumimoji="1" lang="en-US" altLang="ko-KR" sz="1400" b="1" i="1" smtClean="0">
-                <a:solidFill>
-                  <a:schemeClr val="bg1"/>
-                </a:solidFill>
-                <a:latin typeface="Arial" pitchFamily="34" charset="0"/>
-                <a:cs typeface="Arial" pitchFamily="34" charset="0"/>
-              </a:rPr>
-              <a:t>25 (</a:t>
+              <a:t>Final : 2019.  03.  25 (</a:t>
             </a:r>
             <a:r>
               <a:rPr kumimoji="1" lang="ko-KR" altLang="en-US" sz="1400" b="1" i="1" smtClean="0">
@@ -34414,13 +34404,6 @@
               </a:rPr>
               <a:t>)</a:t>
             </a:r>
-            <a:endParaRPr kumimoji="1" lang="en-US" altLang="ko-KR" sz="1400" b="1" i="1" smtClean="0">
-              <a:solidFill>
-                <a:schemeClr val="bg1"/>
-              </a:solidFill>
-              <a:latin typeface="Arial" pitchFamily="34" charset="0"/>
-              <a:cs typeface="Arial" pitchFamily="34" charset="0"/>
-            </a:endParaRPr>
           </a:p>
           <a:p>
             <a:pPr lvl="0" algn="r" latinLnBrk="1">
@@ -34623,7 +34606,7 @@
           <a:blip r:embed="rId3" cstate="print">
             <a:extLst>
               <a:ext uri="{28A0092B-C50C-407E-A947-70E740481C1C}">
-                <a14:useLocalDpi xmlns:a14="http://schemas.microsoft.com/office/drawing/2010/main" xmlns="" val="0"/>
+                <a14:useLocalDpi xmlns="" xmlns:a14="http://schemas.microsoft.com/office/drawing/2010/main" val="0"/>
               </a:ext>
             </a:extLst>
           </a:blip>
@@ -34716,17 +34699,7 @@
                 <a:latin typeface="Arial" pitchFamily="34" charset="0"/>
                 <a:cs typeface="Arial" pitchFamily="34" charset="0"/>
               </a:rPr>
-              <a:t> </a:t>
-            </a:r>
-            <a:r>
-              <a:rPr kumimoji="1" lang="en-US" altLang="ko-KR" sz="1400" b="1" i="1" smtClean="0">
-                <a:solidFill>
-                  <a:schemeClr val="bg1"/>
-                </a:solidFill>
-                <a:latin typeface="Arial" pitchFamily="34" charset="0"/>
-                <a:cs typeface="Arial" pitchFamily="34" charset="0"/>
-              </a:rPr>
-              <a:t>0.4</a:t>
+              <a:t> 0.4</a:t>
             </a:r>
             <a:endParaRPr kumimoji="1" lang="en-US" altLang="ko-KR" sz="1400" b="1" i="1" smtClean="0">
               <a:solidFill>
@@ -34908,29 +34881,7 @@
                 <a:ea typeface="맑은 고딕" pitchFamily="50" charset="-127"/>
                 <a:cs typeface="Arial" pitchFamily="34" charset="0"/>
               </a:rPr>
-              <a:t>: Auto </a:t>
-            </a:r>
-            <a:r>
-              <a:rPr lang="en-US" altLang="ko-KR" b="1" smtClean="0">
-                <a:solidFill>
-                  <a:schemeClr val="bg1"/>
-                </a:solidFill>
-                <a:latin typeface="Arial" pitchFamily="34" charset="0"/>
-                <a:ea typeface="맑은 고딕" pitchFamily="50" charset="-127"/>
-                <a:cs typeface="Arial" pitchFamily="34" charset="0"/>
-              </a:rPr>
-              <a:t>Login </a:t>
-            </a:r>
-            <a:r>
-              <a:rPr lang="en-US" altLang="ko-KR" b="1" smtClean="0">
-                <a:solidFill>
-                  <a:schemeClr val="bg1"/>
-                </a:solidFill>
-                <a:latin typeface="Arial" pitchFamily="34" charset="0"/>
-                <a:ea typeface="맑은 고딕" pitchFamily="50" charset="-127"/>
-                <a:cs typeface="Arial" pitchFamily="34" charset="0"/>
-              </a:rPr>
-              <a:t>(Auto.Info)</a:t>
+              <a:t>: Auto Login (Auto.Info)</a:t>
             </a:r>
             <a:endParaRPr lang="en-US" altLang="ko-KR" sz="1400" b="1">
               <a:solidFill>
@@ -34950,7 +34901,7 @@
           <p:nvPr>
             <p:extLst>
               <p:ext uri="{D42A27DB-BD31-4B8C-83A1-F6EECF244321}">
-                <p14:modId xmlns:p14="http://schemas.microsoft.com/office/powerpoint/2010/main" xmlns="" val="58569670"/>
+                <p14:modId xmlns="" xmlns:p14="http://schemas.microsoft.com/office/powerpoint/2010/main" val="58569670"/>
               </p:ext>
             </p:extLst>
           </p:nvPr>
@@ -34972,7 +34923,7 @@
           <p:nvPr>
             <p:extLst>
               <p:ext uri="{D42A27DB-BD31-4B8C-83A1-F6EECF244321}">
-                <p14:modId xmlns:p14="http://schemas.microsoft.com/office/powerpoint/2010/main" xmlns="" val="2580687414"/>
+                <p14:modId xmlns="" xmlns:p14="http://schemas.microsoft.com/office/powerpoint/2010/main" val="2580687414"/>
               </p:ext>
             </p:extLst>
           </p:nvPr>
@@ -35557,7 +35508,7 @@
           <a:blip r:embed="rId10" cstate="print">
             <a:extLst>
               <a:ext uri="{28A0092B-C50C-407E-A947-70E740481C1C}">
-                <a14:useLocalDpi xmlns:a14="http://schemas.microsoft.com/office/drawing/2010/main" xmlns="" val="0"/>
+                <a14:useLocalDpi xmlns="" xmlns:a14="http://schemas.microsoft.com/office/drawing/2010/main" val="0"/>
               </a:ext>
             </a:extLst>
           </a:blip>
@@ -35587,7 +35538,7 @@
           <a:effectLst/>
           <a:extLst>
             <a:ext uri="{91240B29-F687-4F45-9708-019B960494DF}">
-              <a14:hiddenLine xmlns:a14="http://schemas.microsoft.com/office/drawing/2010/main" xmlns="" w="9525">
+              <a14:hiddenLine xmlns="" xmlns:a14="http://schemas.microsoft.com/office/drawing/2010/main" w="9525">
                 <a:solidFill>
                   <a:schemeClr val="tx1"/>
                 </a:solidFill>
@@ -35611,7 +35562,7 @@
           <a:blip r:embed="rId10" cstate="print">
             <a:extLst>
               <a:ext uri="{28A0092B-C50C-407E-A947-70E740481C1C}">
-                <a14:useLocalDpi xmlns:a14="http://schemas.microsoft.com/office/drawing/2010/main" xmlns="" val="0"/>
+                <a14:useLocalDpi xmlns="" xmlns:a14="http://schemas.microsoft.com/office/drawing/2010/main" val="0"/>
               </a:ext>
             </a:extLst>
           </a:blip>
@@ -35641,7 +35592,7 @@
           <a:effectLst/>
           <a:extLst>
             <a:ext uri="{91240B29-F687-4F45-9708-019B960494DF}">
-              <a14:hiddenLine xmlns:a14="http://schemas.microsoft.com/office/drawing/2010/main" xmlns="" w="9525">
+              <a14:hiddenLine xmlns="" xmlns:a14="http://schemas.microsoft.com/office/drawing/2010/main" w="9525">
                 <a:solidFill>
                   <a:schemeClr val="tx1"/>
                 </a:solidFill>
@@ -35870,7 +35821,7 @@
     </p:spTree>
     <p:extLst>
       <p:ext uri="{BB962C8B-B14F-4D97-AF65-F5344CB8AC3E}">
-        <p14:creationId xmlns:p14="http://schemas.microsoft.com/office/powerpoint/2010/main" xmlns="" val="2068694800"/>
+        <p14:creationId xmlns="" xmlns:p14="http://schemas.microsoft.com/office/powerpoint/2010/main" val="2068694800"/>
       </p:ext>
     </p:extLst>
   </p:cSld>
@@ -35910,7 +35861,7 @@
           <a:blip r:embed="rId2">
             <a:extLst>
               <a:ext uri="{28A0092B-C50C-407E-A947-70E740481C1C}">
-                <a14:useLocalDpi xmlns:a14="http://schemas.microsoft.com/office/drawing/2010/main" xmlns="" val="0"/>
+                <a14:useLocalDpi xmlns="" xmlns:a14="http://schemas.microsoft.com/office/drawing/2010/main" val="0"/>
               </a:ext>
             </a:extLst>
           </a:blip>
@@ -35940,7 +35891,7 @@
           <a:effectLst/>
           <a:extLst>
             <a:ext uri="{91240B29-F687-4F45-9708-019B960494DF}">
-              <a14:hiddenLine xmlns:a14="http://schemas.microsoft.com/office/drawing/2010/main" xmlns="" w="9525">
+              <a14:hiddenLine xmlns="" xmlns:a14="http://schemas.microsoft.com/office/drawing/2010/main" w="9525">
                 <a:solidFill>
                   <a:schemeClr val="tx1"/>
                 </a:solidFill>
@@ -36034,29 +35985,7 @@
                 <a:ea typeface="맑은 고딕" pitchFamily="50" charset="-127"/>
                 <a:cs typeface="Arial" pitchFamily="34" charset="0"/>
               </a:rPr>
-              <a:t>: Auto </a:t>
-            </a:r>
-            <a:r>
-              <a:rPr lang="en-US" altLang="ko-KR" b="1" smtClean="0">
-                <a:solidFill>
-                  <a:schemeClr val="bg1"/>
-                </a:solidFill>
-                <a:latin typeface="Arial" pitchFamily="34" charset="0"/>
-                <a:ea typeface="맑은 고딕" pitchFamily="50" charset="-127"/>
-                <a:cs typeface="Arial" pitchFamily="34" charset="0"/>
-              </a:rPr>
-              <a:t>Login </a:t>
-            </a:r>
-            <a:r>
-              <a:rPr lang="en-US" altLang="ko-KR" b="1" smtClean="0">
-                <a:solidFill>
-                  <a:schemeClr val="bg1"/>
-                </a:solidFill>
-                <a:latin typeface="Arial" pitchFamily="34" charset="0"/>
-                <a:ea typeface="맑은 고딕" pitchFamily="50" charset="-127"/>
-                <a:cs typeface="Arial" pitchFamily="34" charset="0"/>
-              </a:rPr>
-              <a:t>(Salt.Info)</a:t>
+              <a:t>: Auto Login (Salt.Info)</a:t>
             </a:r>
             <a:endParaRPr lang="en-US" altLang="ko-KR" sz="1400" b="1">
               <a:solidFill>
@@ -36076,7 +36005,7 @@
           <p:nvPr>
             <p:extLst>
               <p:ext uri="{D42A27DB-BD31-4B8C-83A1-F6EECF244321}">
-                <p14:modId xmlns:p14="http://schemas.microsoft.com/office/powerpoint/2010/main" xmlns="" val="4162559430"/>
+                <p14:modId xmlns="" xmlns:p14="http://schemas.microsoft.com/office/powerpoint/2010/main" val="4162559430"/>
               </p:ext>
             </p:extLst>
           </p:nvPr>
@@ -36098,7 +36027,7 @@
           <p:nvPr>
             <p:extLst>
               <p:ext uri="{D42A27DB-BD31-4B8C-83A1-F6EECF244321}">
-                <p14:modId xmlns:p14="http://schemas.microsoft.com/office/powerpoint/2010/main" xmlns="" val="3212167040"/>
+                <p14:modId xmlns="" xmlns:p14="http://schemas.microsoft.com/office/powerpoint/2010/main" val="3212167040"/>
               </p:ext>
             </p:extLst>
           </p:nvPr>
@@ -36125,7 +36054,7 @@
           <a:blip r:embed="rId2">
             <a:extLst>
               <a:ext uri="{28A0092B-C50C-407E-A947-70E740481C1C}">
-                <a14:useLocalDpi xmlns:a14="http://schemas.microsoft.com/office/drawing/2010/main" xmlns="" val="0"/>
+                <a14:useLocalDpi xmlns="" xmlns:a14="http://schemas.microsoft.com/office/drawing/2010/main" val="0"/>
               </a:ext>
             </a:extLst>
           </a:blip>
@@ -36155,7 +36084,7 @@
           <a:effectLst/>
           <a:extLst>
             <a:ext uri="{91240B29-F687-4F45-9708-019B960494DF}">
-              <a14:hiddenLine xmlns:a14="http://schemas.microsoft.com/office/drawing/2010/main" xmlns="" w="9525">
+              <a14:hiddenLine xmlns="" xmlns:a14="http://schemas.microsoft.com/office/drawing/2010/main" w="9525">
                 <a:solidFill>
                   <a:schemeClr val="tx1"/>
                 </a:solidFill>
@@ -36384,7 +36313,7 @@
     </p:spTree>
     <p:extLst>
       <p:ext uri="{BB962C8B-B14F-4D97-AF65-F5344CB8AC3E}">
-        <p14:creationId xmlns:p14="http://schemas.microsoft.com/office/powerpoint/2010/main" xmlns="" val="2068694800"/>
+        <p14:creationId xmlns="" xmlns:p14="http://schemas.microsoft.com/office/powerpoint/2010/main" val="2068694800"/>
       </p:ext>
     </p:extLst>
   </p:cSld>
@@ -36494,29 +36423,7 @@
                 <a:ea typeface="맑은 고딕" pitchFamily="50" charset="-127"/>
                 <a:cs typeface="Arial" pitchFamily="34" charset="0"/>
               </a:rPr>
-              <a:t>: Auth </a:t>
-            </a:r>
-            <a:r>
-              <a:rPr lang="en-US" altLang="ko-KR" b="1" smtClean="0">
-                <a:solidFill>
-                  <a:schemeClr val="bg1"/>
-                </a:solidFill>
-                <a:latin typeface="Arial" pitchFamily="34" charset="0"/>
-                <a:ea typeface="맑은 고딕" pitchFamily="50" charset="-127"/>
-                <a:cs typeface="Arial" pitchFamily="34" charset="0"/>
-              </a:rPr>
-              <a:t>Token </a:t>
-            </a:r>
-            <a:r>
-              <a:rPr lang="en-US" altLang="ko-KR" b="1" smtClean="0">
-                <a:solidFill>
-                  <a:schemeClr val="bg1"/>
-                </a:solidFill>
-                <a:latin typeface="Arial" pitchFamily="34" charset="0"/>
-                <a:ea typeface="맑은 고딕" pitchFamily="50" charset="-127"/>
-                <a:cs typeface="Arial" pitchFamily="34" charset="0"/>
-              </a:rPr>
-              <a:t>(AuthToken.Info)</a:t>
+              <a:t>: Auth Token (AuthToken.Info)</a:t>
             </a:r>
             <a:endParaRPr lang="en-US" altLang="ko-KR" sz="1400" b="1">
               <a:solidFill>
@@ -36536,7 +36443,7 @@
           <p:nvPr>
             <p:extLst>
               <p:ext uri="{D42A27DB-BD31-4B8C-83A1-F6EECF244321}">
-                <p14:modId xmlns:p14="http://schemas.microsoft.com/office/powerpoint/2010/main" xmlns="" val="3202387408"/>
+                <p14:modId xmlns="" xmlns:p14="http://schemas.microsoft.com/office/powerpoint/2010/main" val="3202387408"/>
               </p:ext>
             </p:extLst>
           </p:nvPr>
@@ -36558,7 +36465,7 @@
           <p:nvPr>
             <p:extLst>
               <p:ext uri="{D42A27DB-BD31-4B8C-83A1-F6EECF244321}">
-                <p14:modId xmlns:p14="http://schemas.microsoft.com/office/powerpoint/2010/main" xmlns="" val="784470213"/>
+                <p14:modId xmlns="" xmlns:p14="http://schemas.microsoft.com/office/powerpoint/2010/main" val="784470213"/>
               </p:ext>
             </p:extLst>
           </p:nvPr>
@@ -36669,7 +36576,7 @@
           <a:blip r:embed="rId10">
             <a:extLst>
               <a:ext uri="{28A0092B-C50C-407E-A947-70E740481C1C}">
-                <a14:useLocalDpi xmlns:a14="http://schemas.microsoft.com/office/drawing/2010/main" xmlns="" val="0"/>
+                <a14:useLocalDpi xmlns="" xmlns:a14="http://schemas.microsoft.com/office/drawing/2010/main" val="0"/>
               </a:ext>
             </a:extLst>
           </a:blip>
@@ -36699,7 +36606,7 @@
           <a:effectLst/>
           <a:extLst>
             <a:ext uri="{91240B29-F687-4F45-9708-019B960494DF}">
-              <a14:hiddenLine xmlns:a14="http://schemas.microsoft.com/office/drawing/2010/main" xmlns="" w="9525">
+              <a14:hiddenLine xmlns="" xmlns:a14="http://schemas.microsoft.com/office/drawing/2010/main" w="9525">
                 <a:solidFill>
                   <a:schemeClr val="tx1"/>
                 </a:solidFill>
@@ -36795,7 +36702,7 @@
     </p:spTree>
     <p:extLst>
       <p:ext uri="{BB962C8B-B14F-4D97-AF65-F5344CB8AC3E}">
-        <p14:creationId xmlns:p14="http://schemas.microsoft.com/office/powerpoint/2010/main" xmlns="" val="2068694800"/>
+        <p14:creationId xmlns="" xmlns:p14="http://schemas.microsoft.com/office/powerpoint/2010/main" val="2068694800"/>
       </p:ext>
     </p:extLst>
   </p:cSld>
@@ -36905,29 +36812,7 @@
                 <a:ea typeface="맑은 고딕" pitchFamily="50" charset="-127"/>
                 <a:cs typeface="Arial" pitchFamily="34" charset="0"/>
               </a:rPr>
-              <a:t>: </a:t>
-            </a:r>
-            <a:r>
-              <a:rPr lang="en-US" altLang="ko-KR" b="1" smtClean="0">
-                <a:solidFill>
-                  <a:schemeClr val="bg1"/>
-                </a:solidFill>
-                <a:latin typeface="Arial" pitchFamily="34" charset="0"/>
-                <a:ea typeface="맑은 고딕" pitchFamily="50" charset="-127"/>
-                <a:cs typeface="Arial" pitchFamily="34" charset="0"/>
-              </a:rPr>
-              <a:t>Wallet </a:t>
-            </a:r>
-            <a:r>
-              <a:rPr lang="en-US" altLang="ko-KR" b="1" smtClean="0">
-                <a:solidFill>
-                  <a:schemeClr val="bg1"/>
-                </a:solidFill>
-                <a:latin typeface="Arial" pitchFamily="34" charset="0"/>
-                <a:ea typeface="맑은 고딕" pitchFamily="50" charset="-127"/>
-                <a:cs typeface="Arial" pitchFamily="34" charset="0"/>
-              </a:rPr>
-              <a:t>(Private Key)</a:t>
+              <a:t>: Wallet (Private Key)</a:t>
             </a:r>
             <a:endParaRPr lang="en-US" altLang="ko-KR" sz="1400" b="1">
               <a:solidFill>
@@ -36947,7 +36832,7 @@
           <p:nvPr>
             <p:extLst>
               <p:ext uri="{D42A27DB-BD31-4B8C-83A1-F6EECF244321}">
-                <p14:modId xmlns:p14="http://schemas.microsoft.com/office/powerpoint/2010/main" xmlns="" val="39796744"/>
+                <p14:modId xmlns="" xmlns:p14="http://schemas.microsoft.com/office/powerpoint/2010/main" val="39796744"/>
               </p:ext>
             </p:extLst>
           </p:nvPr>
@@ -36969,7 +36854,7 @@
           <p:nvPr>
             <p:extLst>
               <p:ext uri="{D42A27DB-BD31-4B8C-83A1-F6EECF244321}">
-                <p14:modId xmlns:p14="http://schemas.microsoft.com/office/powerpoint/2010/main" xmlns="" val="1320338958"/>
+                <p14:modId xmlns="" xmlns:p14="http://schemas.microsoft.com/office/powerpoint/2010/main" val="1320338958"/>
               </p:ext>
             </p:extLst>
           </p:nvPr>
@@ -37454,7 +37339,7 @@
           <a:blip r:embed="rId10">
             <a:extLst>
               <a:ext uri="{28A0092B-C50C-407E-A947-70E740481C1C}">
-                <a14:useLocalDpi xmlns:a14="http://schemas.microsoft.com/office/drawing/2010/main" xmlns="" val="0"/>
+                <a14:useLocalDpi xmlns="" xmlns:a14="http://schemas.microsoft.com/office/drawing/2010/main" val="0"/>
               </a:ext>
             </a:extLst>
           </a:blip>
@@ -37484,7 +37369,7 @@
           <a:effectLst/>
           <a:extLst>
             <a:ext uri="{91240B29-F687-4F45-9708-019B960494DF}">
-              <a14:hiddenLine xmlns:a14="http://schemas.microsoft.com/office/drawing/2010/main" xmlns="" w="9525">
+              <a14:hiddenLine xmlns="" xmlns:a14="http://schemas.microsoft.com/office/drawing/2010/main" w="9525">
                 <a:solidFill>
                   <a:schemeClr val="tx1"/>
                 </a:solidFill>
@@ -37706,7 +37591,7 @@
     </p:spTree>
     <p:extLst>
       <p:ext uri="{BB962C8B-B14F-4D97-AF65-F5344CB8AC3E}">
-        <p14:creationId xmlns:p14="http://schemas.microsoft.com/office/powerpoint/2010/main" xmlns="" val="2068694800"/>
+        <p14:creationId xmlns="" xmlns:p14="http://schemas.microsoft.com/office/powerpoint/2010/main" val="2068694800"/>
       </p:ext>
     </p:extLst>
   </p:cSld>
@@ -37973,7 +37858,7 @@
           <p:nvPr>
             <p:extLst>
               <p:ext uri="{D42A27DB-BD31-4B8C-83A1-F6EECF244321}">
-                <p14:modId xmlns:p14="http://schemas.microsoft.com/office/powerpoint/2010/main" xmlns="" val="3197681384"/>
+                <p14:modId xmlns="" xmlns:p14="http://schemas.microsoft.com/office/powerpoint/2010/main" val="3197681384"/>
               </p:ext>
             </p:extLst>
           </p:nvPr>
@@ -38881,20 +38766,20 @@
                     <a:p>
                       <a:pPr algn="ctr" latinLnBrk="1"/>
                       <a:r>
-                        <a:rPr lang="en-US" altLang="ko-KR" sz="900" smtClean="0">
+                        <a:rPr lang="en-US" altLang="ko-KR" sz="900" strike="sngStrike" smtClean="0">
                           <a:latin typeface="맑은 고딕" pitchFamily="50" charset="-127"/>
                           <a:ea typeface="맑은 고딕" pitchFamily="50" charset="-127"/>
                         </a:rPr>
                         <a:t>2019.03.15</a:t>
                       </a:r>
                       <a:r>
-                        <a:rPr lang="en-US" altLang="ko-KR" sz="900" baseline="0" smtClean="0">
+                        <a:rPr lang="en-US" altLang="ko-KR" sz="900" strike="sngStrike" baseline="0" smtClean="0">
                           <a:latin typeface="맑은 고딕" pitchFamily="50" charset="-127"/>
                           <a:ea typeface="맑은 고딕" pitchFamily="50" charset="-127"/>
                         </a:rPr>
                         <a:t> / 0.3</a:t>
                       </a:r>
-                      <a:endParaRPr lang="ko-KR" altLang="en-US" sz="900">
+                      <a:endParaRPr lang="ko-KR" altLang="en-US" sz="900" strike="sngStrike">
                         <a:latin typeface="맑은 고딕" pitchFamily="50" charset="-127"/>
                         <a:ea typeface="맑은 고딕" pitchFamily="50" charset="-127"/>
                       </a:endParaRPr>
@@ -38967,21 +38852,21 @@
                         <a:defRPr/>
                       </a:pPr>
                       <a:r>
-                        <a:rPr lang="ko-KR" altLang="en-US" sz="900" smtClean="0">
+                        <a:rPr lang="ko-KR" altLang="en-US" sz="900" strike="sngStrike" smtClean="0">
                           <a:latin typeface="맑은 고딕" pitchFamily="50" charset="-127"/>
                           <a:ea typeface="맑은 고딕" pitchFamily="50" charset="-127"/>
                         </a:rPr>
                         <a:t>융합보안연구소 </a:t>
                       </a:r>
                       <a:r>
-                        <a:rPr lang="en-US" altLang="ko-KR" sz="900" smtClean="0">
+                        <a:rPr lang="en-US" altLang="ko-KR" sz="900" strike="sngStrike" smtClean="0">
                           <a:latin typeface="맑은 고딕" pitchFamily="50" charset="-127"/>
                           <a:ea typeface="맑은 고딕" pitchFamily="50" charset="-127"/>
                         </a:rPr>
                         <a:t>/ </a:t>
                       </a:r>
                       <a:r>
-                        <a:rPr lang="ko-KR" altLang="en-US" sz="900" smtClean="0">
+                        <a:rPr lang="ko-KR" altLang="en-US" sz="900" strike="sngStrike" smtClean="0">
                           <a:latin typeface="맑은 고딕" pitchFamily="50" charset="-127"/>
                           <a:ea typeface="맑은 고딕" pitchFamily="50" charset="-127"/>
                         </a:rPr>
@@ -39040,20 +38925,20 @@
                     <a:p>
                       <a:pPr latinLnBrk="1"/>
                       <a:r>
-                        <a:rPr lang="ko-KR" altLang="en-US" sz="900" smtClean="0">
+                        <a:rPr lang="ko-KR" altLang="en-US" sz="900" strike="sngStrike" smtClean="0">
                           <a:latin typeface="맑은 고딕" pitchFamily="50" charset="-127"/>
                           <a:ea typeface="맑은 고딕" pitchFamily="50" charset="-127"/>
                         </a:rPr>
                         <a:t>클래스 추가 </a:t>
                       </a:r>
                       <a:r>
-                        <a:rPr lang="en-US" altLang="ko-KR" sz="900" smtClean="0">
+                        <a:rPr lang="en-US" altLang="ko-KR" sz="900" strike="sngStrike" smtClean="0">
                           <a:latin typeface="맑은 고딕" pitchFamily="50" charset="-127"/>
                           <a:ea typeface="맑은 고딕" pitchFamily="50" charset="-127"/>
                         </a:rPr>
                         <a:t>(BasePrimaryInfoManager)</a:t>
                       </a:r>
-                      <a:endParaRPr lang="ko-KR" altLang="en-US" sz="900" smtClean="0">
+                      <a:endParaRPr lang="ko-KR" altLang="en-US" sz="900" strike="sngStrike" smtClean="0">
                         <a:latin typeface="맑은 고딕" pitchFamily="50" charset="-127"/>
                         <a:ea typeface="맑은 고딕" pitchFamily="50" charset="-127"/>
                       </a:endParaRPr>
@@ -44471,7 +44356,7 @@
           <a:blip r:embed="rId2">
             <a:extLst>
               <a:ext uri="{28A0092B-C50C-407E-A947-70E740481C1C}">
-                <a14:useLocalDpi xmlns:a14="http://schemas.microsoft.com/office/drawing/2010/main" xmlns="" val="0"/>
+                <a14:useLocalDpi xmlns="" xmlns:a14="http://schemas.microsoft.com/office/drawing/2010/main" val="0"/>
               </a:ext>
             </a:extLst>
           </a:blip>
@@ -44501,7 +44386,7 @@
           <a:effectLst/>
           <a:extLst>
             <a:ext uri="{91240B29-F687-4F45-9708-019B960494DF}">
-              <a14:hiddenLine xmlns:a14="http://schemas.microsoft.com/office/drawing/2010/main" xmlns="" w="9525">
+              <a14:hiddenLine xmlns="" xmlns:a14="http://schemas.microsoft.com/office/drawing/2010/main" w="9525">
                 <a:solidFill>
                   <a:schemeClr val="tx1"/>
                 </a:solidFill>
@@ -44729,75 +44614,10 @@
           </a:p>
         </p:txBody>
       </p:sp>
-      <p:sp>
-        <p:nvSpPr>
-          <p:cNvPr id="24" name="양쪽 모서리가 둥근 사각형 23"/>
-          <p:cNvSpPr/>
-          <p:nvPr/>
-        </p:nvSpPr>
-        <p:spPr bwMode="auto">
-          <a:xfrm>
-            <a:off x="1084888" y="4379053"/>
-            <a:ext cx="1018236" cy="374046"/>
-          </a:xfrm>
-          <a:prstGeom prst="round2SameRect">
-            <a:avLst>
-              <a:gd name="adj1" fmla="val 9260"/>
-              <a:gd name="adj2" fmla="val 9701"/>
-            </a:avLst>
-          </a:prstGeom>
-          <a:solidFill>
-            <a:srgbClr val="92D050"/>
-          </a:solidFill>
-          <a:ln w="28575">
-            <a:solidFill>
-              <a:schemeClr val="bg1">
-                <a:lumMod val="50000"/>
-              </a:schemeClr>
-            </a:solidFill>
-            <a:miter lim="800000"/>
-          </a:ln>
-          <a:effectLst/>
-          <a:extLst/>
-        </p:spPr>
-        <p:txBody>
-          <a:bodyPr wrap="none" lIns="36000" tIns="36000" rIns="36000" bIns="72000" rtlCol="0" anchor="ctr"/>
-          <a:lstStyle/>
-          <a:p>
-            <a:pPr algn="ctr">
-              <a:spcBef>
-                <a:spcPts val="0"/>
-              </a:spcBef>
-              <a:spcAft>
-                <a:spcPts val="0"/>
-              </a:spcAft>
-            </a:pPr>
-            <a:r>
-              <a:rPr lang="en-US" altLang="ko-KR" sz="1000" b="1" kern="0" smtClean="0">
-                <a:latin typeface="Arial" panose="020B0604020202020204" pitchFamily="34" charset="0"/>
-                <a:ea typeface="맑은 고딕" pitchFamily="50" charset="-127"/>
-                <a:cs typeface="Arial" pitchFamily="34" charset="0"/>
-              </a:rPr>
-              <a:t>BasePrimary</a:t>
-            </a:r>
-            <a:endParaRPr kumimoji="0" lang="ko-KR" altLang="en-US" sz="1000" b="1" i="0" u="none" strike="noStrike" kern="0" cap="none" spc="0" normalizeH="0" baseline="0" noProof="0">
-              <a:ln>
-                <a:noFill/>
-              </a:ln>
-              <a:effectLst/>
-              <a:uLnTx/>
-              <a:uFillTx/>
-              <a:latin typeface="Arial" panose="020B0604020202020204" pitchFamily="34" charset="0"/>
-              <a:ea typeface="맑은 고딕" pitchFamily="50" charset="-127"/>
-              <a:cs typeface="Arial" pitchFamily="34" charset="0"/>
-            </a:endParaRPr>
-          </a:p>
-        </p:txBody>
-      </p:sp>
     </p:spTree>
     <p:extLst>
       <p:ext uri="{BB962C8B-B14F-4D97-AF65-F5344CB8AC3E}">
-        <p14:creationId xmlns:p14="http://schemas.microsoft.com/office/powerpoint/2010/main" xmlns="" val="304950883"/>
+        <p14:creationId xmlns="" xmlns:p14="http://schemas.microsoft.com/office/powerpoint/2010/main" val="304950883"/>
       </p:ext>
     </p:extLst>
   </p:cSld>
@@ -46296,7 +46116,7 @@
             </a:duotone>
             <a:extLst>
               <a:ext uri="{28A0092B-C50C-407E-A947-70E740481C1C}">
-                <a14:useLocalDpi xmlns:a14="http://schemas.microsoft.com/office/drawing/2010/main" xmlns="" val="0"/>
+                <a14:useLocalDpi xmlns="" xmlns:a14="http://schemas.microsoft.com/office/drawing/2010/main" val="0"/>
               </a:ext>
             </a:extLst>
           </a:blip>
@@ -46318,7 +46138,7 @@
           </a:ln>
           <a:extLst>
             <a:ext uri="{909E8E84-426E-40DD-AFC4-6F175D3DCCD1}">
-              <a14:hiddenFill xmlns:a14="http://schemas.microsoft.com/office/drawing/2010/main" xmlns="">
+              <a14:hiddenFill xmlns="" xmlns:a14="http://schemas.microsoft.com/office/drawing/2010/main">
                 <a:solidFill>
                   <a:srgbClr val="FFFFFF"/>
                 </a:solidFill>
@@ -46341,7 +46161,7 @@
           <a:blip r:embed="rId5" cstate="print">
             <a:extLst>
               <a:ext uri="{28A0092B-C50C-407E-A947-70E740481C1C}">
-                <a14:useLocalDpi xmlns:a14="http://schemas.microsoft.com/office/drawing/2010/main" xmlns="" val="0"/>
+                <a14:useLocalDpi xmlns="" xmlns:a14="http://schemas.microsoft.com/office/drawing/2010/main" val="0"/>
               </a:ext>
             </a:extLst>
           </a:blip>
@@ -46361,7 +46181,7 @@
           <a:noFill/>
           <a:extLst>
             <a:ext uri="{909E8E84-426E-40DD-AFC4-6F175D3DCCD1}">
-              <a14:hiddenFill xmlns:a14="http://schemas.microsoft.com/office/drawing/2010/main" xmlns="">
+              <a14:hiddenFill xmlns="" xmlns:a14="http://schemas.microsoft.com/office/drawing/2010/main">
                 <a:solidFill>
                   <a:srgbClr val="FFFFFF"/>
                 </a:solidFill>
@@ -46986,7 +46806,7 @@
           <a:blip r:embed="rId6" cstate="print">
             <a:extLst>
               <a:ext uri="{28A0092B-C50C-407E-A947-70E740481C1C}">
-                <a14:useLocalDpi xmlns:a14="http://schemas.microsoft.com/office/drawing/2010/main" xmlns="" val="0"/>
+                <a14:useLocalDpi xmlns="" xmlns:a14="http://schemas.microsoft.com/office/drawing/2010/main" val="0"/>
               </a:ext>
             </a:extLst>
           </a:blip>
@@ -47009,14 +46829,14 @@
           </a:ln>
           <a:extLst>
             <a:ext uri="{909E8E84-426E-40DD-AFC4-6F175D3DCCD1}">
-              <a14:hiddenFill xmlns:a14="http://schemas.microsoft.com/office/drawing/2010/main" xmlns="">
+              <a14:hiddenFill xmlns="" xmlns:a14="http://schemas.microsoft.com/office/drawing/2010/main">
                 <a:solidFill>
                   <a:schemeClr val="accent1"/>
                 </a:solidFill>
               </a14:hiddenFill>
             </a:ext>
             <a:ext uri="{91240B29-F687-4F45-9708-019B960494DF}">
-              <a14:hiddenLine xmlns:a14="http://schemas.microsoft.com/office/drawing/2010/main" xmlns="" w="9525">
+              <a14:hiddenLine xmlns="" xmlns:a14="http://schemas.microsoft.com/office/drawing/2010/main" w="9525">
                 <a:solidFill>
                   <a:schemeClr val="tx1"/>
                 </a:solidFill>
@@ -47063,7 +46883,7 @@
     </p:spTree>
     <p:extLst>
       <p:ext uri="{BB962C8B-B14F-4D97-AF65-F5344CB8AC3E}">
-        <p14:creationId xmlns:p14="http://schemas.microsoft.com/office/powerpoint/2010/main" xmlns="" val="1617025335"/>
+        <p14:creationId xmlns="" xmlns:p14="http://schemas.microsoft.com/office/powerpoint/2010/main" val="1617025335"/>
       </p:ext>
     </p:extLst>
   </p:cSld>
@@ -47800,7 +47620,7 @@
           <a:blip r:embed="rId2" cstate="print">
             <a:extLst>
               <a:ext uri="{28A0092B-C50C-407E-A947-70E740481C1C}">
-                <a14:useLocalDpi xmlns:a14="http://schemas.microsoft.com/office/drawing/2010/main" xmlns="" val="0"/>
+                <a14:useLocalDpi xmlns="" xmlns:a14="http://schemas.microsoft.com/office/drawing/2010/main" val="0"/>
               </a:ext>
             </a:extLst>
           </a:blip>
@@ -47823,14 +47643,14 @@
           </a:ln>
           <a:extLst>
             <a:ext uri="{909E8E84-426E-40DD-AFC4-6F175D3DCCD1}">
-              <a14:hiddenFill xmlns:a14="http://schemas.microsoft.com/office/drawing/2010/main" xmlns="">
+              <a14:hiddenFill xmlns="" xmlns:a14="http://schemas.microsoft.com/office/drawing/2010/main">
                 <a:solidFill>
                   <a:schemeClr val="accent1"/>
                 </a:solidFill>
               </a14:hiddenFill>
             </a:ext>
             <a:ext uri="{91240B29-F687-4F45-9708-019B960494DF}">
-              <a14:hiddenLine xmlns:a14="http://schemas.microsoft.com/office/drawing/2010/main" xmlns="" w="9525">
+              <a14:hiddenLine xmlns="" xmlns:a14="http://schemas.microsoft.com/office/drawing/2010/main" w="9525">
                 <a:solidFill>
                   <a:schemeClr val="tx1"/>
                 </a:solidFill>
@@ -47981,7 +47801,7 @@
     </p:spTree>
     <p:extLst>
       <p:ext uri="{BB962C8B-B14F-4D97-AF65-F5344CB8AC3E}">
-        <p14:creationId xmlns:p14="http://schemas.microsoft.com/office/powerpoint/2010/main" xmlns="" val="2241772250"/>
+        <p14:creationId xmlns="" xmlns:p14="http://schemas.microsoft.com/office/powerpoint/2010/main" val="2241772250"/>
       </p:ext>
     </p:extLst>
   </p:cSld>
@@ -48344,7 +48164,7 @@
           <a:blip r:embed="rId2" cstate="print">
             <a:extLst>
               <a:ext uri="{28A0092B-C50C-407E-A947-70E740481C1C}">
-                <a14:useLocalDpi xmlns:a14="http://schemas.microsoft.com/office/drawing/2010/main" xmlns="" val="0"/>
+                <a14:useLocalDpi xmlns="" xmlns:a14="http://schemas.microsoft.com/office/drawing/2010/main" val="0"/>
               </a:ext>
             </a:extLst>
           </a:blip>
@@ -48367,14 +48187,14 @@
           </a:ln>
           <a:extLst>
             <a:ext uri="{909E8E84-426E-40DD-AFC4-6F175D3DCCD1}">
-              <a14:hiddenFill xmlns:a14="http://schemas.microsoft.com/office/drawing/2010/main" xmlns="">
+              <a14:hiddenFill xmlns="" xmlns:a14="http://schemas.microsoft.com/office/drawing/2010/main">
                 <a:solidFill>
                   <a:schemeClr val="accent1"/>
                 </a:solidFill>
               </a14:hiddenFill>
             </a:ext>
             <a:ext uri="{91240B29-F687-4F45-9708-019B960494DF}">
-              <a14:hiddenLine xmlns:a14="http://schemas.microsoft.com/office/drawing/2010/main" xmlns="" w="9525">
+              <a14:hiddenLine xmlns="" xmlns:a14="http://schemas.microsoft.com/office/drawing/2010/main" w="9525">
                 <a:solidFill>
                   <a:schemeClr val="tx1"/>
                 </a:solidFill>
@@ -48525,7 +48345,7 @@
     </p:spTree>
     <p:extLst>
       <p:ext uri="{BB962C8B-B14F-4D97-AF65-F5344CB8AC3E}">
-        <p14:creationId xmlns:p14="http://schemas.microsoft.com/office/powerpoint/2010/main" xmlns="" val="2241772250"/>
+        <p14:creationId xmlns="" xmlns:p14="http://schemas.microsoft.com/office/powerpoint/2010/main" val="2241772250"/>
       </p:ext>
     </p:extLst>
   </p:cSld>
@@ -48831,15 +48651,7 @@
                 <a:ea typeface="맑은 고딕" pitchFamily="50" charset="-127"/>
                 <a:cs typeface="Arial" pitchFamily="34" charset="0"/>
               </a:rPr>
-              <a:t>Auto </a:t>
-            </a:r>
-            <a:r>
-              <a:rPr kumimoji="1" lang="en-US" altLang="ko-KR" sz="1800" b="1" smtClean="0">
-                <a:latin typeface="Arial" pitchFamily="34" charset="0"/>
-                <a:ea typeface="맑은 고딕" pitchFamily="50" charset="-127"/>
-                <a:cs typeface="Arial" pitchFamily="34" charset="0"/>
-              </a:rPr>
-              <a:t>Login</a:t>
+              <a:t>Auto Login</a:t>
             </a:r>
             <a:endParaRPr kumimoji="1" lang="ko-KR" altLang="en-US" sz="1800" b="1">
               <a:latin typeface="Arial" pitchFamily="34" charset="0"/>
@@ -49028,23 +48840,7 @@
                 <a:ea typeface="맑은 고딕" pitchFamily="50" charset="-127"/>
                 <a:cs typeface="Arial" pitchFamily="34" charset="0"/>
               </a:rPr>
-              <a:t>UserControl </a:t>
-            </a:r>
-            <a:r>
-              <a:rPr kumimoji="1" lang="en-US" altLang="ko-KR" sz="1800" b="1" smtClean="0">
-                <a:latin typeface="Arial" pitchFamily="34" charset="0"/>
-                <a:ea typeface="맑은 고딕" pitchFamily="50" charset="-127"/>
-                <a:cs typeface="Arial" pitchFamily="34" charset="0"/>
-              </a:rPr>
-              <a:t>/ Base </a:t>
-            </a:r>
-            <a:r>
-              <a:rPr kumimoji="1" lang="en-US" altLang="ko-KR" sz="1800" b="1" smtClean="0">
-                <a:latin typeface="Arial" pitchFamily="34" charset="0"/>
-                <a:ea typeface="맑은 고딕" pitchFamily="50" charset="-127"/>
-                <a:cs typeface="Arial" pitchFamily="34" charset="0"/>
-              </a:rPr>
-              <a:t>Primary</a:t>
+              <a:t>UserControl</a:t>
             </a:r>
             <a:endParaRPr kumimoji="1" lang="ko-KR" altLang="en-US" sz="1800" b="1">
               <a:latin typeface="Arial" pitchFamily="34" charset="0"/>
@@ -49217,15 +49013,7 @@
                 <a:ea typeface="맑은 고딕" pitchFamily="50" charset="-127"/>
                 <a:cs typeface="Arial" pitchFamily="34" charset="0"/>
               </a:rPr>
-              <a:t>    3.  Auth </a:t>
-            </a:r>
-            <a:r>
-              <a:rPr kumimoji="1" lang="en-US" altLang="ko-KR" sz="1800" b="1" smtClean="0">
-                <a:latin typeface="Arial" pitchFamily="34" charset="0"/>
-                <a:ea typeface="맑은 고딕" pitchFamily="50" charset="-127"/>
-                <a:cs typeface="Arial" pitchFamily="34" charset="0"/>
-              </a:rPr>
-              <a:t>Token</a:t>
+              <a:t>    3.  Auth Token</a:t>
             </a:r>
             <a:endParaRPr kumimoji="1" lang="ko-KR" altLang="en-US" sz="1800" b="1">
               <a:latin typeface="Arial" pitchFamily="34" charset="0"/>
@@ -49398,15 +49186,7 @@
                 <a:ea typeface="맑은 고딕" pitchFamily="50" charset="-127"/>
                 <a:cs typeface="Arial" pitchFamily="34" charset="0"/>
               </a:rPr>
-              <a:t>    4.  </a:t>
-            </a:r>
-            <a:r>
-              <a:rPr kumimoji="1" lang="en-US" altLang="ko-KR" sz="1800" b="1" smtClean="0">
-                <a:latin typeface="Arial" pitchFamily="34" charset="0"/>
-                <a:ea typeface="맑은 고딕" pitchFamily="50" charset="-127"/>
-                <a:cs typeface="Arial" pitchFamily="34" charset="0"/>
-              </a:rPr>
-              <a:t>Wallet</a:t>
+              <a:t>    4.  Wallet</a:t>
             </a:r>
           </a:p>
         </p:txBody>
@@ -49446,7 +49226,7 @@
     </p:spTree>
     <p:extLst>
       <p:ext uri="{BB962C8B-B14F-4D97-AF65-F5344CB8AC3E}">
-        <p14:creationId xmlns:p14="http://schemas.microsoft.com/office/powerpoint/2010/main" xmlns="" val="2068694800"/>
+        <p14:creationId xmlns="" xmlns:p14="http://schemas.microsoft.com/office/powerpoint/2010/main" val="2068694800"/>
       </p:ext>
     </p:extLst>
   </p:cSld>
@@ -49509,7 +49289,7 @@
               </a:lnSpc>
             </a:pPr>
             <a:r>
-              <a:rPr lang="en-US" altLang="ko-KR" b="1" smtClean="0">
+              <a:rPr lang="en-US" altLang="ko-KR" sz="2000" b="1" smtClean="0">
                 <a:solidFill>
                   <a:schemeClr val="bg1"/>
                 </a:solidFill>
@@ -49520,7 +49300,7 @@
               <a:t>2.1 </a:t>
             </a:r>
             <a:r>
-              <a:rPr lang="ko-KR" altLang="en-US" b="1" smtClean="0">
+              <a:rPr lang="ko-KR" altLang="en-US" sz="2000" b="1" smtClean="0">
                 <a:solidFill>
                   <a:schemeClr val="bg1"/>
                 </a:solidFill>
@@ -49531,7 +49311,7 @@
               <a:t>인증 별 암</a:t>
             </a:r>
             <a:r>
-              <a:rPr lang="en-US" altLang="ko-KR" b="1" smtClean="0">
+              <a:rPr lang="en-US" altLang="ko-KR" sz="2000" b="1" smtClean="0">
                 <a:solidFill>
                   <a:schemeClr val="bg1"/>
                 </a:solidFill>
@@ -49542,7 +49322,7 @@
               <a:t>/</a:t>
             </a:r>
             <a:r>
-              <a:rPr lang="ko-KR" altLang="en-US" b="1" smtClean="0">
+              <a:rPr lang="ko-KR" altLang="en-US" sz="2000" b="1" smtClean="0">
                 <a:solidFill>
                   <a:schemeClr val="bg1"/>
                 </a:solidFill>
@@ -49553,7 +49333,7 @@
               <a:t>복호화 로직 </a:t>
             </a:r>
             <a:r>
-              <a:rPr lang="en-US" altLang="ko-KR" b="1" smtClean="0">
+              <a:rPr lang="en-US" altLang="ko-KR" sz="2000" b="1" smtClean="0">
                 <a:solidFill>
                   <a:schemeClr val="bg1"/>
                 </a:solidFill>
@@ -49561,10 +49341,10 @@
                 <a:ea typeface="맑은 고딕" pitchFamily="50" charset="-127"/>
                 <a:cs typeface="Arial" pitchFamily="34" charset="0"/>
               </a:rPr>
-              <a:t>: </a:t>
+              <a:t>: User Control (</a:t>
             </a:r>
             <a:r>
-              <a:rPr lang="en-US" altLang="ko-KR" b="1" smtClean="0">
+              <a:rPr lang="en-US" altLang="ko-KR" sz="2000" b="1" smtClean="0">
                 <a:solidFill>
                   <a:schemeClr val="bg1"/>
                 </a:solidFill>
@@ -49572,61 +49352,7 @@
                 <a:ea typeface="맑은 고딕" pitchFamily="50" charset="-127"/>
                 <a:cs typeface="Arial" pitchFamily="34" charset="0"/>
               </a:rPr>
-              <a:t>User Control </a:t>
-            </a:r>
-            <a:r>
-              <a:rPr lang="en-US" altLang="ko-KR" b="1" smtClean="0">
-                <a:solidFill>
-                  <a:schemeClr val="bg1"/>
-                </a:solidFill>
-                <a:latin typeface="Arial" pitchFamily="34" charset="0"/>
-                <a:ea typeface="맑은 고딕" pitchFamily="50" charset="-127"/>
-                <a:cs typeface="Arial" pitchFamily="34" charset="0"/>
-              </a:rPr>
-              <a:t>(Control.Info)</a:t>
-            </a:r>
-            <a:br>
-              <a:rPr lang="en-US" altLang="ko-KR" b="1" smtClean="0">
-                <a:solidFill>
-                  <a:schemeClr val="bg1"/>
-                </a:solidFill>
-                <a:latin typeface="Arial" pitchFamily="34" charset="0"/>
-                <a:ea typeface="맑은 고딕" pitchFamily="50" charset="-127"/>
-                <a:cs typeface="Arial" pitchFamily="34" charset="0"/>
-              </a:rPr>
-            </a:br>
-            <a:r>
-              <a:rPr lang="en-US" altLang="ko-KR" b="1" smtClean="0">
-                <a:solidFill>
-                  <a:schemeClr val="bg1"/>
-                </a:solidFill>
-                <a:latin typeface="Arial" pitchFamily="34" charset="0"/>
-                <a:ea typeface="맑은 고딕" pitchFamily="50" charset="-127"/>
-                <a:cs typeface="Arial" pitchFamily="34" charset="0"/>
-              </a:rPr>
-              <a:t>			Base Primary </a:t>
-            </a:r>
-            <a:r>
-              <a:rPr lang="en-US" altLang="ko-KR" b="1" smtClean="0">
-                <a:solidFill>
-                  <a:schemeClr val="bg1"/>
-                </a:solidFill>
-                <a:latin typeface="Arial" pitchFamily="34" charset="0"/>
-                <a:ea typeface="맑은 고딕" pitchFamily="50" charset="-127"/>
-                <a:cs typeface="Arial" pitchFamily="34" charset="0"/>
-              </a:rPr>
-              <a:t>(</a:t>
-            </a:r>
-            <a:r>
-              <a:rPr lang="en-US" altLang="ko-KR" b="1" smtClean="0">
-                <a:solidFill>
-                  <a:schemeClr val="bg1"/>
-                </a:solidFill>
-                <a:latin typeface="Arial" pitchFamily="34" charset="0"/>
-                <a:ea typeface="맑은 고딕" pitchFamily="50" charset="-127"/>
-                <a:cs typeface="Arial" pitchFamily="34" charset="0"/>
-              </a:rPr>
-              <a:t>BasePrimary.Info)</a:t>
+              <a:t>Control.Info, BasePrimary.Info)</a:t>
             </a:r>
             <a:r>
               <a:rPr lang="en-US" altLang="ko-KR" sz="3200" b="1" smtClean="0">
@@ -49709,7 +49435,7 @@
           <p:nvPr>
             <p:extLst>
               <p:ext uri="{D42A27DB-BD31-4B8C-83A1-F6EECF244321}">
-                <p14:modId xmlns:p14="http://schemas.microsoft.com/office/powerpoint/2010/main" xmlns="" val="3951860473"/>
+                <p14:modId xmlns="" xmlns:p14="http://schemas.microsoft.com/office/powerpoint/2010/main" val="3951860473"/>
               </p:ext>
             </p:extLst>
           </p:nvPr>
@@ -49731,7 +49457,7 @@
           <p:nvPr>
             <p:extLst>
               <p:ext uri="{D42A27DB-BD31-4B8C-83A1-F6EECF244321}">
-                <p14:modId xmlns:p14="http://schemas.microsoft.com/office/powerpoint/2010/main" xmlns="" val="2539850713"/>
+                <p14:modId xmlns="" xmlns:p14="http://schemas.microsoft.com/office/powerpoint/2010/main" val="2539850713"/>
               </p:ext>
             </p:extLst>
           </p:nvPr>
@@ -49800,7 +49526,7 @@
           <a:blip r:embed="rId10">
             <a:extLst>
               <a:ext uri="{28A0092B-C50C-407E-A947-70E740481C1C}">
-                <a14:useLocalDpi xmlns:a14="http://schemas.microsoft.com/office/drawing/2010/main" xmlns="" val="0"/>
+                <a14:useLocalDpi xmlns="" xmlns:a14="http://schemas.microsoft.com/office/drawing/2010/main" val="0"/>
               </a:ext>
             </a:extLst>
           </a:blip>
@@ -49830,7 +49556,7 @@
           <a:effectLst/>
           <a:extLst>
             <a:ext uri="{91240B29-F687-4F45-9708-019B960494DF}">
-              <a14:hiddenLine xmlns:a14="http://schemas.microsoft.com/office/drawing/2010/main" xmlns="" w="9525">
+              <a14:hiddenLine xmlns="" xmlns:a14="http://schemas.microsoft.com/office/drawing/2010/main" w="9525">
                 <a:solidFill>
                   <a:schemeClr val="tx1"/>
                 </a:solidFill>
@@ -49926,7 +49652,7 @@
     </p:spTree>
     <p:extLst>
       <p:ext uri="{BB962C8B-B14F-4D97-AF65-F5344CB8AC3E}">
-        <p14:creationId xmlns:p14="http://schemas.microsoft.com/office/powerpoint/2010/main" xmlns="" val="2068694800"/>
+        <p14:creationId xmlns="" xmlns:p14="http://schemas.microsoft.com/office/powerpoint/2010/main" val="2068694800"/>
       </p:ext>
     </p:extLst>
   </p:cSld>

--- a/MoaAndroidIDMng/doc/[모아플래닛] 안드로이드 인증 라이브러리 구조_2019_0325_v0.4.pptx
+++ b/MoaAndroidIDMng/doc/[모아플래닛] 안드로이드 인증 라이브러리 구조_2019_0325_v0.4.pptx
@@ -154,7 +154,7 @@
   </p:defaultTextStyle>
   <p:extLst>
     <p:ext uri="{521415D9-36F7-43E2-AB2F-B90AF26B5E84}">
-      <p14:sectionLst xmlns="" xmlns:p14="http://schemas.microsoft.com/office/powerpoint/2010/main">
+      <p14:sectionLst xmlns:p14="http://schemas.microsoft.com/office/powerpoint/2010/main" xmlns="">
         <p14:section name="기본 구역" id="{34FAFDF9-3BC1-45CB-A2D3-7EC08A8EFBCC}">
           <p14:sldIdLst>
             <p14:sldId id="714"/>
@@ -8820,8 +8820,8 @@
     <dgm:cxn modelId="{3E6FB6BA-ED79-4563-BE60-3B138B82146E}" type="presOf" srcId="{E7E56E56-82FA-420C-AF9B-14650ED5BACE}" destId="{71BF3D56-1BDC-43FB-A64F-D580424C798E}" srcOrd="0" destOrd="0" presId="urn:microsoft.com/office/officeart/2005/8/layout/process2"/>
     <dgm:cxn modelId="{1739F794-1014-4A15-8A8B-D3C99857C44F}" srcId="{DE1B31F5-997B-4285-BCFC-40779204E912}" destId="{0549CA83-5F17-4C26-BD3B-113F410D299D}" srcOrd="2" destOrd="0" parTransId="{DD06CF62-ACD6-4A10-B3CE-DE76D8B4207F}" sibTransId="{91B5343C-DC98-4E5E-9EEC-EC6247A59C4D}"/>
     <dgm:cxn modelId="{8BBF8DDC-892C-46D9-9643-BBCC123D1055}" type="presOf" srcId="{0549CA83-5F17-4C26-BD3B-113F410D299D}" destId="{3DD798C0-0F8F-43F2-9DFD-823162266C10}" srcOrd="0" destOrd="0" presId="urn:microsoft.com/office/officeart/2005/8/layout/process2"/>
+    <dgm:cxn modelId="{EA99B348-A6A1-4CA7-BA36-356EDB761DD1}" type="presOf" srcId="{1204F9D0-2CAB-4201-98A6-B3EC5AB63515}" destId="{F0E920E0-20CD-415D-91C4-8A214E8E0170}" srcOrd="0" destOrd="0" presId="urn:microsoft.com/office/officeart/2005/8/layout/process2"/>
     <dgm:cxn modelId="{BACB558E-1C4C-4F30-A7D9-97F65BAB4C90}" type="presOf" srcId="{AE7ABB9B-1184-4EA2-A0FC-FC8F519719D1}" destId="{9D061BC5-C4E8-4A38-BE03-31D569603847}" srcOrd="0" destOrd="0" presId="urn:microsoft.com/office/officeart/2005/8/layout/process2"/>
-    <dgm:cxn modelId="{EA99B348-A6A1-4CA7-BA36-356EDB761DD1}" type="presOf" srcId="{1204F9D0-2CAB-4201-98A6-B3EC5AB63515}" destId="{F0E920E0-20CD-415D-91C4-8A214E8E0170}" srcOrd="0" destOrd="0" presId="urn:microsoft.com/office/officeart/2005/8/layout/process2"/>
     <dgm:cxn modelId="{CB7F4D5B-9A9D-40E2-B0D2-49ED7663C132}" type="presOf" srcId="{91B5343C-DC98-4E5E-9EEC-EC6247A59C4D}" destId="{25F17434-992A-411C-B424-59623C6B23E8}" srcOrd="1" destOrd="0" presId="urn:microsoft.com/office/officeart/2005/8/layout/process2"/>
     <dgm:cxn modelId="{8FBA0491-2F73-4103-A91D-E8E045831C49}" type="presOf" srcId="{3C803EB9-3AA5-4C1A-82CA-0EC10ACD0F14}" destId="{8EE4CDA5-F33A-4A83-BF06-0CE546641BD4}" srcOrd="0" destOrd="0" presId="urn:microsoft.com/office/officeart/2005/8/layout/process2"/>
     <dgm:cxn modelId="{26E67A28-C0AA-40EB-B0B1-63C9823AF258}" type="presParOf" srcId="{ABF6AB0C-DAA2-4525-B3F7-C82F42CA524E}" destId="{7A4CC4A4-44AC-4F1B-99EE-BC718C9456EB}" srcOrd="0" destOrd="0" presId="urn:microsoft.com/office/officeart/2005/8/layout/process2"/>
@@ -8844,10 +8844,10 @@
   <dgm:whole/>
   <dgm:extLst>
     <a:ext uri="http://schemas.microsoft.com/office/drawing/2008/diagram">
-      <dsp:dataModelExt xmlns="" xmlns:dsp="http://schemas.microsoft.com/office/drawing/2008/diagram" relId="rId6" minVer="http://schemas.openxmlformats.org/drawingml/2006/diagram"/>
+      <dsp:dataModelExt xmlns:dsp="http://schemas.microsoft.com/office/drawing/2008/diagram" xmlns="" relId="rId6" minVer="http://schemas.openxmlformats.org/drawingml/2006/diagram"/>
     </a:ext>
     <a:ext uri="{C62137D5-CB1D-491B-B009-E17868A290BF}">
-      <dgm14:recolorImg xmlns="" xmlns:dgm14="http://schemas.microsoft.com/office/drawing/2010/diagram" val="1"/>
+      <dgm14:recolorImg xmlns:dgm14="http://schemas.microsoft.com/office/drawing/2010/diagram" xmlns="" val="1"/>
     </a:ext>
   </dgm:extLst>
 </dgm:dataModel>
@@ -9361,7 +9361,7 @@
   <dgm:whole/>
   <dgm:extLst>
     <a:ext uri="http://schemas.microsoft.com/office/drawing/2008/diagram">
-      <dsp:dataModelExt xmlns="" xmlns:dsp="http://schemas.microsoft.com/office/drawing/2008/diagram" relId="rId11" minVer="http://schemas.openxmlformats.org/drawingml/2006/diagram"/>
+      <dsp:dataModelExt xmlns:dsp="http://schemas.microsoft.com/office/drawing/2008/diagram" xmlns="" relId="rId11" minVer="http://schemas.openxmlformats.org/drawingml/2006/diagram"/>
     </a:ext>
   </dgm:extLst>
 </dgm:dataModel>
@@ -9899,10 +9899,10 @@
   <dgm:whole/>
   <dgm:extLst>
     <a:ext uri="http://schemas.microsoft.com/office/drawing/2008/diagram">
-      <dsp:dataModelExt xmlns="" xmlns:dsp="http://schemas.microsoft.com/office/drawing/2008/diagram" relId="rId11" minVer="http://schemas.openxmlformats.org/drawingml/2006/diagram"/>
+      <dsp:dataModelExt xmlns:dsp="http://schemas.microsoft.com/office/drawing/2008/diagram" xmlns="" relId="rId11" minVer="http://schemas.openxmlformats.org/drawingml/2006/diagram"/>
     </a:ext>
     <a:ext uri="{C62137D5-CB1D-491B-B009-E17868A290BF}">
-      <dgm14:recolorImg xmlns="" xmlns:dgm14="http://schemas.microsoft.com/office/drawing/2010/diagram" val="1"/>
+      <dgm14:recolorImg xmlns:dgm14="http://schemas.microsoft.com/office/drawing/2010/diagram" xmlns="" val="1"/>
     </a:ext>
   </dgm:extLst>
 </dgm:dataModel>
@@ -10517,7 +10517,7 @@
   <dgm:whole/>
   <dgm:extLst>
     <a:ext uri="http://schemas.microsoft.com/office/drawing/2008/diagram">
-      <dsp:dataModelExt xmlns="" xmlns:dsp="http://schemas.microsoft.com/office/drawing/2008/diagram" relId="rId6" minVer="http://schemas.openxmlformats.org/drawingml/2006/diagram"/>
+      <dsp:dataModelExt xmlns:dsp="http://schemas.microsoft.com/office/drawing/2008/diagram" xmlns="" relId="rId6" minVer="http://schemas.openxmlformats.org/drawingml/2006/diagram"/>
     </a:ext>
   </dgm:extLst>
 </dgm:dataModel>
@@ -11132,7 +11132,7 @@
   <dgm:whole/>
   <dgm:extLst>
     <a:ext uri="http://schemas.microsoft.com/office/drawing/2008/diagram">
-      <dsp:dataModelExt xmlns="" xmlns:dsp="http://schemas.microsoft.com/office/drawing/2008/diagram" relId="rId11" minVer="http://schemas.openxmlformats.org/drawingml/2006/diagram"/>
+      <dsp:dataModelExt xmlns:dsp="http://schemas.microsoft.com/office/drawing/2008/diagram" xmlns="" relId="rId11" minVer="http://schemas.openxmlformats.org/drawingml/2006/diagram"/>
     </a:ext>
   </dgm:extLst>
 </dgm:dataModel>
@@ -11545,7 +11545,7 @@
   <dgm:whole/>
   <dgm:extLst>
     <a:ext uri="http://schemas.microsoft.com/office/drawing/2008/diagram">
-      <dsp:dataModelExt xmlns="" xmlns:dsp="http://schemas.microsoft.com/office/drawing/2008/diagram" relId="rId7" minVer="http://schemas.openxmlformats.org/drawingml/2006/diagram"/>
+      <dsp:dataModelExt xmlns:dsp="http://schemas.microsoft.com/office/drawing/2008/diagram" xmlns="" relId="rId7" minVer="http://schemas.openxmlformats.org/drawingml/2006/diagram"/>
     </a:ext>
   </dgm:extLst>
 </dgm:dataModel>
@@ -11958,7 +11958,7 @@
   <dgm:whole/>
   <dgm:extLst>
     <a:ext uri="http://schemas.microsoft.com/office/drawing/2008/diagram">
-      <dsp:dataModelExt xmlns="" xmlns:dsp="http://schemas.microsoft.com/office/drawing/2008/diagram" relId="rId12" minVer="http://schemas.openxmlformats.org/drawingml/2006/diagram"/>
+      <dsp:dataModelExt xmlns:dsp="http://schemas.microsoft.com/office/drawing/2008/diagram" xmlns="" relId="rId12" minVer="http://schemas.openxmlformats.org/drawingml/2006/diagram"/>
     </a:ext>
   </dgm:extLst>
 </dgm:dataModel>
@@ -12472,7 +12472,7 @@
   <dgm:whole/>
   <dgm:extLst>
     <a:ext uri="http://schemas.microsoft.com/office/drawing/2008/diagram">
-      <dsp:dataModelExt xmlns="" xmlns:dsp="http://schemas.microsoft.com/office/drawing/2008/diagram" relId="rId6" minVer="http://schemas.openxmlformats.org/drawingml/2006/diagram"/>
+      <dsp:dataModelExt xmlns:dsp="http://schemas.microsoft.com/office/drawing/2008/diagram" xmlns="" relId="rId6" minVer="http://schemas.openxmlformats.org/drawingml/2006/diagram"/>
     </a:ext>
   </dgm:extLst>
 </dgm:dataModel>
@@ -12986,7 +12986,7 @@
   <dgm:whole/>
   <dgm:extLst>
     <a:ext uri="http://schemas.microsoft.com/office/drawing/2008/diagram">
-      <dsp:dataModelExt xmlns="" xmlns:dsp="http://schemas.microsoft.com/office/drawing/2008/diagram" relId="rId11" minVer="http://schemas.openxmlformats.org/drawingml/2006/diagram"/>
+      <dsp:dataModelExt xmlns:dsp="http://schemas.microsoft.com/office/drawing/2008/diagram" xmlns="" relId="rId11" minVer="http://schemas.openxmlformats.org/drawingml/2006/diagram"/>
     </a:ext>
   </dgm:extLst>
 </dgm:dataModel>
@@ -13500,7 +13500,7 @@
   <dgm:whole/>
   <dgm:extLst>
     <a:ext uri="http://schemas.microsoft.com/office/drawing/2008/diagram">
-      <dsp:dataModelExt xmlns="" xmlns:dsp="http://schemas.microsoft.com/office/drawing/2008/diagram" relId="rId6" minVer="http://schemas.openxmlformats.org/drawingml/2006/diagram"/>
+      <dsp:dataModelExt xmlns:dsp="http://schemas.microsoft.com/office/drawing/2008/diagram" xmlns="" relId="rId6" minVer="http://schemas.openxmlformats.org/drawingml/2006/diagram"/>
     </a:ext>
   </dgm:extLst>
 </dgm:dataModel>
@@ -32467,7 +32467,7 @@
             <a:fld id="{09DFF6E6-0D78-4968-AAA9-33D23D76FDCF}" type="datetime1">
               <a:rPr lang="ko-KR" altLang="en-US" smtClean="0"/>
               <a:pPr/>
-              <a:t>2019-03-26</a:t>
+              <a:t>2019-04-10</a:t>
             </a:fld>
             <a:endParaRPr lang="en-US" altLang="ko-KR"/>
           </a:p>
@@ -32571,7 +32571,7 @@
     </p:spTree>
     <p:extLst>
       <p:ext uri="{BB962C8B-B14F-4D97-AF65-F5344CB8AC3E}">
-        <p14:creationId xmlns="" xmlns:p14="http://schemas.microsoft.com/office/powerpoint/2010/main" val="3162905657"/>
+        <p14:creationId xmlns:p14="http://schemas.microsoft.com/office/powerpoint/2010/main" xmlns="" val="3162905657"/>
       </p:ext>
     </p:extLst>
   </p:cSld>
@@ -32694,7 +32694,7 @@
             <a:fld id="{12C64DE7-B9F5-4C1E-B024-9977568C7523}" type="datetime1">
               <a:rPr lang="ko-KR" altLang="en-US" smtClean="0"/>
               <a:pPr/>
-              <a:t>2019-03-26</a:t>
+              <a:t>2019-04-10</a:t>
             </a:fld>
             <a:endParaRPr lang="en-US" altLang="ko-KR"/>
           </a:p>
@@ -32899,7 +32899,7 @@
     </p:spTree>
     <p:extLst>
       <p:ext uri="{BB962C8B-B14F-4D97-AF65-F5344CB8AC3E}">
-        <p14:creationId xmlns="" xmlns:p14="http://schemas.microsoft.com/office/powerpoint/2010/main" val="2813614352"/>
+        <p14:creationId xmlns:p14="http://schemas.microsoft.com/office/powerpoint/2010/main" xmlns="" val="2813614352"/>
       </p:ext>
     </p:extLst>
   </p:cSld>
@@ -34606,7 +34606,7 @@
           <a:blip r:embed="rId3" cstate="print">
             <a:extLst>
               <a:ext uri="{28A0092B-C50C-407E-A947-70E740481C1C}">
-                <a14:useLocalDpi xmlns="" xmlns:a14="http://schemas.microsoft.com/office/drawing/2010/main" val="0"/>
+                <a14:useLocalDpi xmlns:a14="http://schemas.microsoft.com/office/drawing/2010/main" xmlns="" val="0"/>
               </a:ext>
             </a:extLst>
           </a:blip>
@@ -34901,7 +34901,7 @@
           <p:nvPr>
             <p:extLst>
               <p:ext uri="{D42A27DB-BD31-4B8C-83A1-F6EECF244321}">
-                <p14:modId xmlns="" xmlns:p14="http://schemas.microsoft.com/office/powerpoint/2010/main" val="58569670"/>
+                <p14:modId xmlns:p14="http://schemas.microsoft.com/office/powerpoint/2010/main" xmlns="" val="58569670"/>
               </p:ext>
             </p:extLst>
           </p:nvPr>
@@ -34923,7 +34923,7 @@
           <p:nvPr>
             <p:extLst>
               <p:ext uri="{D42A27DB-BD31-4B8C-83A1-F6EECF244321}">
-                <p14:modId xmlns="" xmlns:p14="http://schemas.microsoft.com/office/powerpoint/2010/main" val="2580687414"/>
+                <p14:modId xmlns:p14="http://schemas.microsoft.com/office/powerpoint/2010/main" xmlns="" val="2580687414"/>
               </p:ext>
             </p:extLst>
           </p:nvPr>
@@ -35508,7 +35508,7 @@
           <a:blip r:embed="rId10" cstate="print">
             <a:extLst>
               <a:ext uri="{28A0092B-C50C-407E-A947-70E740481C1C}">
-                <a14:useLocalDpi xmlns="" xmlns:a14="http://schemas.microsoft.com/office/drawing/2010/main" val="0"/>
+                <a14:useLocalDpi xmlns:a14="http://schemas.microsoft.com/office/drawing/2010/main" xmlns="" val="0"/>
               </a:ext>
             </a:extLst>
           </a:blip>
@@ -35538,7 +35538,7 @@
           <a:effectLst/>
           <a:extLst>
             <a:ext uri="{91240B29-F687-4F45-9708-019B960494DF}">
-              <a14:hiddenLine xmlns="" xmlns:a14="http://schemas.microsoft.com/office/drawing/2010/main" w="9525">
+              <a14:hiddenLine xmlns:a14="http://schemas.microsoft.com/office/drawing/2010/main" xmlns="" w="9525">
                 <a:solidFill>
                   <a:schemeClr val="tx1"/>
                 </a:solidFill>
@@ -35562,7 +35562,7 @@
           <a:blip r:embed="rId10" cstate="print">
             <a:extLst>
               <a:ext uri="{28A0092B-C50C-407E-A947-70E740481C1C}">
-                <a14:useLocalDpi xmlns="" xmlns:a14="http://schemas.microsoft.com/office/drawing/2010/main" val="0"/>
+                <a14:useLocalDpi xmlns:a14="http://schemas.microsoft.com/office/drawing/2010/main" xmlns="" val="0"/>
               </a:ext>
             </a:extLst>
           </a:blip>
@@ -35592,7 +35592,7 @@
           <a:effectLst/>
           <a:extLst>
             <a:ext uri="{91240B29-F687-4F45-9708-019B960494DF}">
-              <a14:hiddenLine xmlns="" xmlns:a14="http://schemas.microsoft.com/office/drawing/2010/main" w="9525">
+              <a14:hiddenLine xmlns:a14="http://schemas.microsoft.com/office/drawing/2010/main" xmlns="" w="9525">
                 <a:solidFill>
                   <a:schemeClr val="tx1"/>
                 </a:solidFill>
@@ -35821,7 +35821,7 @@
     </p:spTree>
     <p:extLst>
       <p:ext uri="{BB962C8B-B14F-4D97-AF65-F5344CB8AC3E}">
-        <p14:creationId xmlns="" xmlns:p14="http://schemas.microsoft.com/office/powerpoint/2010/main" val="2068694800"/>
+        <p14:creationId xmlns:p14="http://schemas.microsoft.com/office/powerpoint/2010/main" xmlns="" val="2068694800"/>
       </p:ext>
     </p:extLst>
   </p:cSld>
@@ -35861,7 +35861,7 @@
           <a:blip r:embed="rId2">
             <a:extLst>
               <a:ext uri="{28A0092B-C50C-407E-A947-70E740481C1C}">
-                <a14:useLocalDpi xmlns="" xmlns:a14="http://schemas.microsoft.com/office/drawing/2010/main" val="0"/>
+                <a14:useLocalDpi xmlns:a14="http://schemas.microsoft.com/office/drawing/2010/main" xmlns="" val="0"/>
               </a:ext>
             </a:extLst>
           </a:blip>
@@ -35891,7 +35891,7 @@
           <a:effectLst/>
           <a:extLst>
             <a:ext uri="{91240B29-F687-4F45-9708-019B960494DF}">
-              <a14:hiddenLine xmlns="" xmlns:a14="http://schemas.microsoft.com/office/drawing/2010/main" w="9525">
+              <a14:hiddenLine xmlns:a14="http://schemas.microsoft.com/office/drawing/2010/main" xmlns="" w="9525">
                 <a:solidFill>
                   <a:schemeClr val="tx1"/>
                 </a:solidFill>
@@ -36005,7 +36005,7 @@
           <p:nvPr>
             <p:extLst>
               <p:ext uri="{D42A27DB-BD31-4B8C-83A1-F6EECF244321}">
-                <p14:modId xmlns="" xmlns:p14="http://schemas.microsoft.com/office/powerpoint/2010/main" val="4162559430"/>
+                <p14:modId xmlns:p14="http://schemas.microsoft.com/office/powerpoint/2010/main" xmlns="" val="4162559430"/>
               </p:ext>
             </p:extLst>
           </p:nvPr>
@@ -36027,7 +36027,7 @@
           <p:nvPr>
             <p:extLst>
               <p:ext uri="{D42A27DB-BD31-4B8C-83A1-F6EECF244321}">
-                <p14:modId xmlns="" xmlns:p14="http://schemas.microsoft.com/office/powerpoint/2010/main" val="3212167040"/>
+                <p14:modId xmlns:p14="http://schemas.microsoft.com/office/powerpoint/2010/main" xmlns="" val="3212167040"/>
               </p:ext>
             </p:extLst>
           </p:nvPr>
@@ -36054,7 +36054,7 @@
           <a:blip r:embed="rId2">
             <a:extLst>
               <a:ext uri="{28A0092B-C50C-407E-A947-70E740481C1C}">
-                <a14:useLocalDpi xmlns="" xmlns:a14="http://schemas.microsoft.com/office/drawing/2010/main" val="0"/>
+                <a14:useLocalDpi xmlns:a14="http://schemas.microsoft.com/office/drawing/2010/main" xmlns="" val="0"/>
               </a:ext>
             </a:extLst>
           </a:blip>
@@ -36084,7 +36084,7 @@
           <a:effectLst/>
           <a:extLst>
             <a:ext uri="{91240B29-F687-4F45-9708-019B960494DF}">
-              <a14:hiddenLine xmlns="" xmlns:a14="http://schemas.microsoft.com/office/drawing/2010/main" w="9525">
+              <a14:hiddenLine xmlns:a14="http://schemas.microsoft.com/office/drawing/2010/main" xmlns="" w="9525">
                 <a:solidFill>
                   <a:schemeClr val="tx1"/>
                 </a:solidFill>
@@ -36313,7 +36313,7 @@
     </p:spTree>
     <p:extLst>
       <p:ext uri="{BB962C8B-B14F-4D97-AF65-F5344CB8AC3E}">
-        <p14:creationId xmlns="" xmlns:p14="http://schemas.microsoft.com/office/powerpoint/2010/main" val="2068694800"/>
+        <p14:creationId xmlns:p14="http://schemas.microsoft.com/office/powerpoint/2010/main" xmlns="" val="2068694800"/>
       </p:ext>
     </p:extLst>
   </p:cSld>
@@ -36443,7 +36443,7 @@
           <p:nvPr>
             <p:extLst>
               <p:ext uri="{D42A27DB-BD31-4B8C-83A1-F6EECF244321}">
-                <p14:modId xmlns="" xmlns:p14="http://schemas.microsoft.com/office/powerpoint/2010/main" val="3202387408"/>
+                <p14:modId xmlns:p14="http://schemas.microsoft.com/office/powerpoint/2010/main" xmlns="" val="3202387408"/>
               </p:ext>
             </p:extLst>
           </p:nvPr>
@@ -36465,7 +36465,7 @@
           <p:nvPr>
             <p:extLst>
               <p:ext uri="{D42A27DB-BD31-4B8C-83A1-F6EECF244321}">
-                <p14:modId xmlns="" xmlns:p14="http://schemas.microsoft.com/office/powerpoint/2010/main" val="784470213"/>
+                <p14:modId xmlns:p14="http://schemas.microsoft.com/office/powerpoint/2010/main" xmlns="" val="784470213"/>
               </p:ext>
             </p:extLst>
           </p:nvPr>
@@ -36576,7 +36576,7 @@
           <a:blip r:embed="rId10">
             <a:extLst>
               <a:ext uri="{28A0092B-C50C-407E-A947-70E740481C1C}">
-                <a14:useLocalDpi xmlns="" xmlns:a14="http://schemas.microsoft.com/office/drawing/2010/main" val="0"/>
+                <a14:useLocalDpi xmlns:a14="http://schemas.microsoft.com/office/drawing/2010/main" xmlns="" val="0"/>
               </a:ext>
             </a:extLst>
           </a:blip>
@@ -36606,7 +36606,7 @@
           <a:effectLst/>
           <a:extLst>
             <a:ext uri="{91240B29-F687-4F45-9708-019B960494DF}">
-              <a14:hiddenLine xmlns="" xmlns:a14="http://schemas.microsoft.com/office/drawing/2010/main" w="9525">
+              <a14:hiddenLine xmlns:a14="http://schemas.microsoft.com/office/drawing/2010/main" xmlns="" w="9525">
                 <a:solidFill>
                   <a:schemeClr val="tx1"/>
                 </a:solidFill>
@@ -36702,7 +36702,7 @@
     </p:spTree>
     <p:extLst>
       <p:ext uri="{BB962C8B-B14F-4D97-AF65-F5344CB8AC3E}">
-        <p14:creationId xmlns="" xmlns:p14="http://schemas.microsoft.com/office/powerpoint/2010/main" val="2068694800"/>
+        <p14:creationId xmlns:p14="http://schemas.microsoft.com/office/powerpoint/2010/main" xmlns="" val="2068694800"/>
       </p:ext>
     </p:extLst>
   </p:cSld>
@@ -36832,7 +36832,7 @@
           <p:nvPr>
             <p:extLst>
               <p:ext uri="{D42A27DB-BD31-4B8C-83A1-F6EECF244321}">
-                <p14:modId xmlns="" xmlns:p14="http://schemas.microsoft.com/office/powerpoint/2010/main" val="39796744"/>
+                <p14:modId xmlns:p14="http://schemas.microsoft.com/office/powerpoint/2010/main" xmlns="" val="39796744"/>
               </p:ext>
             </p:extLst>
           </p:nvPr>
@@ -36854,7 +36854,7 @@
           <p:nvPr>
             <p:extLst>
               <p:ext uri="{D42A27DB-BD31-4B8C-83A1-F6EECF244321}">
-                <p14:modId xmlns="" xmlns:p14="http://schemas.microsoft.com/office/powerpoint/2010/main" val="1320338958"/>
+                <p14:modId xmlns:p14="http://schemas.microsoft.com/office/powerpoint/2010/main" xmlns="" val="1320338958"/>
               </p:ext>
             </p:extLst>
           </p:nvPr>
@@ -37339,7 +37339,7 @@
           <a:blip r:embed="rId10">
             <a:extLst>
               <a:ext uri="{28A0092B-C50C-407E-A947-70E740481C1C}">
-                <a14:useLocalDpi xmlns="" xmlns:a14="http://schemas.microsoft.com/office/drawing/2010/main" val="0"/>
+                <a14:useLocalDpi xmlns:a14="http://schemas.microsoft.com/office/drawing/2010/main" xmlns="" val="0"/>
               </a:ext>
             </a:extLst>
           </a:blip>
@@ -37369,7 +37369,7 @@
           <a:effectLst/>
           <a:extLst>
             <a:ext uri="{91240B29-F687-4F45-9708-019B960494DF}">
-              <a14:hiddenLine xmlns="" xmlns:a14="http://schemas.microsoft.com/office/drawing/2010/main" w="9525">
+              <a14:hiddenLine xmlns:a14="http://schemas.microsoft.com/office/drawing/2010/main" xmlns="" w="9525">
                 <a:solidFill>
                   <a:schemeClr val="tx1"/>
                 </a:solidFill>
@@ -37591,7 +37591,7 @@
     </p:spTree>
     <p:extLst>
       <p:ext uri="{BB962C8B-B14F-4D97-AF65-F5344CB8AC3E}">
-        <p14:creationId xmlns="" xmlns:p14="http://schemas.microsoft.com/office/powerpoint/2010/main" val="2068694800"/>
+        <p14:creationId xmlns:p14="http://schemas.microsoft.com/office/powerpoint/2010/main" xmlns="" val="2068694800"/>
       </p:ext>
     </p:extLst>
   </p:cSld>
@@ -37858,7 +37858,7 @@
           <p:nvPr>
             <p:extLst>
               <p:ext uri="{D42A27DB-BD31-4B8C-83A1-F6EECF244321}">
-                <p14:modId xmlns="" xmlns:p14="http://schemas.microsoft.com/office/powerpoint/2010/main" val="3197681384"/>
+                <p14:modId xmlns:p14="http://schemas.microsoft.com/office/powerpoint/2010/main" xmlns="" val="3197681384"/>
               </p:ext>
             </p:extLst>
           </p:nvPr>
@@ -43925,7 +43925,7 @@
                 <a:latin typeface="Arial" panose="020B0604020202020204" pitchFamily="34" charset="0"/>
                 <a:cs typeface="Arial" panose="020B0604020202020204" pitchFamily="34" charset="0"/>
               </a:rPr>
-              <a:t>AndroidIDMngProccess</a:t>
+              <a:t>MoaAuthAssist</a:t>
             </a:r>
             <a:endParaRPr lang="ko-KR" altLang="en-US" sz="1800" b="1">
               <a:latin typeface="Arial" panose="020B0604020202020204" pitchFamily="34" charset="0"/>
@@ -44356,7 +44356,7 @@
           <a:blip r:embed="rId2">
             <a:extLst>
               <a:ext uri="{28A0092B-C50C-407E-A947-70E740481C1C}">
-                <a14:useLocalDpi xmlns="" xmlns:a14="http://schemas.microsoft.com/office/drawing/2010/main" val="0"/>
+                <a14:useLocalDpi xmlns:a14="http://schemas.microsoft.com/office/drawing/2010/main" xmlns="" val="0"/>
               </a:ext>
             </a:extLst>
           </a:blip>
@@ -44386,7 +44386,7 @@
           <a:effectLst/>
           <a:extLst>
             <a:ext uri="{91240B29-F687-4F45-9708-019B960494DF}">
-              <a14:hiddenLine xmlns="" xmlns:a14="http://schemas.microsoft.com/office/drawing/2010/main" w="9525">
+              <a14:hiddenLine xmlns:a14="http://schemas.microsoft.com/office/drawing/2010/main" xmlns="" w="9525">
                 <a:solidFill>
                   <a:schemeClr val="tx1"/>
                 </a:solidFill>
@@ -44617,7 +44617,7 @@
     </p:spTree>
     <p:extLst>
       <p:ext uri="{BB962C8B-B14F-4D97-AF65-F5344CB8AC3E}">
-        <p14:creationId xmlns="" xmlns:p14="http://schemas.microsoft.com/office/powerpoint/2010/main" val="304950883"/>
+        <p14:creationId xmlns:p14="http://schemas.microsoft.com/office/powerpoint/2010/main" xmlns="" val="304950883"/>
       </p:ext>
     </p:extLst>
   </p:cSld>
@@ -46116,7 +46116,7 @@
             </a:duotone>
             <a:extLst>
               <a:ext uri="{28A0092B-C50C-407E-A947-70E740481C1C}">
-                <a14:useLocalDpi xmlns="" xmlns:a14="http://schemas.microsoft.com/office/drawing/2010/main" val="0"/>
+                <a14:useLocalDpi xmlns:a14="http://schemas.microsoft.com/office/drawing/2010/main" xmlns="" val="0"/>
               </a:ext>
             </a:extLst>
           </a:blip>
@@ -46138,7 +46138,7 @@
           </a:ln>
           <a:extLst>
             <a:ext uri="{909E8E84-426E-40DD-AFC4-6F175D3DCCD1}">
-              <a14:hiddenFill xmlns="" xmlns:a14="http://schemas.microsoft.com/office/drawing/2010/main">
+              <a14:hiddenFill xmlns:a14="http://schemas.microsoft.com/office/drawing/2010/main" xmlns="">
                 <a:solidFill>
                   <a:srgbClr val="FFFFFF"/>
                 </a:solidFill>
@@ -46161,7 +46161,7 @@
           <a:blip r:embed="rId5" cstate="print">
             <a:extLst>
               <a:ext uri="{28A0092B-C50C-407E-A947-70E740481C1C}">
-                <a14:useLocalDpi xmlns="" xmlns:a14="http://schemas.microsoft.com/office/drawing/2010/main" val="0"/>
+                <a14:useLocalDpi xmlns:a14="http://schemas.microsoft.com/office/drawing/2010/main" xmlns="" val="0"/>
               </a:ext>
             </a:extLst>
           </a:blip>
@@ -46181,7 +46181,7 @@
           <a:noFill/>
           <a:extLst>
             <a:ext uri="{909E8E84-426E-40DD-AFC4-6F175D3DCCD1}">
-              <a14:hiddenFill xmlns="" xmlns:a14="http://schemas.microsoft.com/office/drawing/2010/main">
+              <a14:hiddenFill xmlns:a14="http://schemas.microsoft.com/office/drawing/2010/main" xmlns="">
                 <a:solidFill>
                   <a:srgbClr val="FFFFFF"/>
                 </a:solidFill>
@@ -46806,7 +46806,7 @@
           <a:blip r:embed="rId6" cstate="print">
             <a:extLst>
               <a:ext uri="{28A0092B-C50C-407E-A947-70E740481C1C}">
-                <a14:useLocalDpi xmlns="" xmlns:a14="http://schemas.microsoft.com/office/drawing/2010/main" val="0"/>
+                <a14:useLocalDpi xmlns:a14="http://schemas.microsoft.com/office/drawing/2010/main" xmlns="" val="0"/>
               </a:ext>
             </a:extLst>
           </a:blip>
@@ -46829,14 +46829,14 @@
           </a:ln>
           <a:extLst>
             <a:ext uri="{909E8E84-426E-40DD-AFC4-6F175D3DCCD1}">
-              <a14:hiddenFill xmlns="" xmlns:a14="http://schemas.microsoft.com/office/drawing/2010/main">
+              <a14:hiddenFill xmlns:a14="http://schemas.microsoft.com/office/drawing/2010/main" xmlns="">
                 <a:solidFill>
                   <a:schemeClr val="accent1"/>
                 </a:solidFill>
               </a14:hiddenFill>
             </a:ext>
             <a:ext uri="{91240B29-F687-4F45-9708-019B960494DF}">
-              <a14:hiddenLine xmlns="" xmlns:a14="http://schemas.microsoft.com/office/drawing/2010/main" w="9525">
+              <a14:hiddenLine xmlns:a14="http://schemas.microsoft.com/office/drawing/2010/main" xmlns="" w="9525">
                 <a:solidFill>
                   <a:schemeClr val="tx1"/>
                 </a:solidFill>
@@ -46883,7 +46883,7 @@
     </p:spTree>
     <p:extLst>
       <p:ext uri="{BB962C8B-B14F-4D97-AF65-F5344CB8AC3E}">
-        <p14:creationId xmlns="" xmlns:p14="http://schemas.microsoft.com/office/powerpoint/2010/main" val="1617025335"/>
+        <p14:creationId xmlns:p14="http://schemas.microsoft.com/office/powerpoint/2010/main" xmlns="" val="1617025335"/>
       </p:ext>
     </p:extLst>
   </p:cSld>
@@ -47620,7 +47620,7 @@
           <a:blip r:embed="rId2" cstate="print">
             <a:extLst>
               <a:ext uri="{28A0092B-C50C-407E-A947-70E740481C1C}">
-                <a14:useLocalDpi xmlns="" xmlns:a14="http://schemas.microsoft.com/office/drawing/2010/main" val="0"/>
+                <a14:useLocalDpi xmlns:a14="http://schemas.microsoft.com/office/drawing/2010/main" xmlns="" val="0"/>
               </a:ext>
             </a:extLst>
           </a:blip>
@@ -47643,14 +47643,14 @@
           </a:ln>
           <a:extLst>
             <a:ext uri="{909E8E84-426E-40DD-AFC4-6F175D3DCCD1}">
-              <a14:hiddenFill xmlns="" xmlns:a14="http://schemas.microsoft.com/office/drawing/2010/main">
+              <a14:hiddenFill xmlns:a14="http://schemas.microsoft.com/office/drawing/2010/main" xmlns="">
                 <a:solidFill>
                   <a:schemeClr val="accent1"/>
                 </a:solidFill>
               </a14:hiddenFill>
             </a:ext>
             <a:ext uri="{91240B29-F687-4F45-9708-019B960494DF}">
-              <a14:hiddenLine xmlns="" xmlns:a14="http://schemas.microsoft.com/office/drawing/2010/main" w="9525">
+              <a14:hiddenLine xmlns:a14="http://schemas.microsoft.com/office/drawing/2010/main" xmlns="" w="9525">
                 <a:solidFill>
                   <a:schemeClr val="tx1"/>
                 </a:solidFill>
@@ -47801,7 +47801,7 @@
     </p:spTree>
     <p:extLst>
       <p:ext uri="{BB962C8B-B14F-4D97-AF65-F5344CB8AC3E}">
-        <p14:creationId xmlns="" xmlns:p14="http://schemas.microsoft.com/office/powerpoint/2010/main" val="2241772250"/>
+        <p14:creationId xmlns:p14="http://schemas.microsoft.com/office/powerpoint/2010/main" xmlns="" val="2241772250"/>
       </p:ext>
     </p:extLst>
   </p:cSld>
@@ -48164,7 +48164,7 @@
           <a:blip r:embed="rId2" cstate="print">
             <a:extLst>
               <a:ext uri="{28A0092B-C50C-407E-A947-70E740481C1C}">
-                <a14:useLocalDpi xmlns="" xmlns:a14="http://schemas.microsoft.com/office/drawing/2010/main" val="0"/>
+                <a14:useLocalDpi xmlns:a14="http://schemas.microsoft.com/office/drawing/2010/main" xmlns="" val="0"/>
               </a:ext>
             </a:extLst>
           </a:blip>
@@ -48187,14 +48187,14 @@
           </a:ln>
           <a:extLst>
             <a:ext uri="{909E8E84-426E-40DD-AFC4-6F175D3DCCD1}">
-              <a14:hiddenFill xmlns="" xmlns:a14="http://schemas.microsoft.com/office/drawing/2010/main">
+              <a14:hiddenFill xmlns:a14="http://schemas.microsoft.com/office/drawing/2010/main" xmlns="">
                 <a:solidFill>
                   <a:schemeClr val="accent1"/>
                 </a:solidFill>
               </a14:hiddenFill>
             </a:ext>
             <a:ext uri="{91240B29-F687-4F45-9708-019B960494DF}">
-              <a14:hiddenLine xmlns="" xmlns:a14="http://schemas.microsoft.com/office/drawing/2010/main" w="9525">
+              <a14:hiddenLine xmlns:a14="http://schemas.microsoft.com/office/drawing/2010/main" xmlns="" w="9525">
                 <a:solidFill>
                   <a:schemeClr val="tx1"/>
                 </a:solidFill>
@@ -48345,7 +48345,7 @@
     </p:spTree>
     <p:extLst>
       <p:ext uri="{BB962C8B-B14F-4D97-AF65-F5344CB8AC3E}">
-        <p14:creationId xmlns="" xmlns:p14="http://schemas.microsoft.com/office/powerpoint/2010/main" val="2241772250"/>
+        <p14:creationId xmlns:p14="http://schemas.microsoft.com/office/powerpoint/2010/main" xmlns="" val="2241772250"/>
       </p:ext>
     </p:extLst>
   </p:cSld>
@@ -49226,7 +49226,7 @@
     </p:spTree>
     <p:extLst>
       <p:ext uri="{BB962C8B-B14F-4D97-AF65-F5344CB8AC3E}">
-        <p14:creationId xmlns="" xmlns:p14="http://schemas.microsoft.com/office/powerpoint/2010/main" val="2068694800"/>
+        <p14:creationId xmlns:p14="http://schemas.microsoft.com/office/powerpoint/2010/main" xmlns="" val="2068694800"/>
       </p:ext>
     </p:extLst>
   </p:cSld>
@@ -49341,18 +49341,7 @@
                 <a:ea typeface="맑은 고딕" pitchFamily="50" charset="-127"/>
                 <a:cs typeface="Arial" pitchFamily="34" charset="0"/>
               </a:rPr>
-              <a:t>: User Control (</a:t>
-            </a:r>
-            <a:r>
-              <a:rPr lang="en-US" altLang="ko-KR" sz="2000" b="1" smtClean="0">
-                <a:solidFill>
-                  <a:schemeClr val="bg1"/>
-                </a:solidFill>
-                <a:latin typeface="Arial" pitchFamily="34" charset="0"/>
-                <a:ea typeface="맑은 고딕" pitchFamily="50" charset="-127"/>
-                <a:cs typeface="Arial" pitchFamily="34" charset="0"/>
-              </a:rPr>
-              <a:t>Control.Info, BasePrimary.Info)</a:t>
+              <a:t>: User Control (Control.Info, BasePrimary.Info)</a:t>
             </a:r>
             <a:r>
               <a:rPr lang="en-US" altLang="ko-KR" sz="3200" b="1" smtClean="0">
@@ -49435,7 +49424,7 @@
           <p:nvPr>
             <p:extLst>
               <p:ext uri="{D42A27DB-BD31-4B8C-83A1-F6EECF244321}">
-                <p14:modId xmlns="" xmlns:p14="http://schemas.microsoft.com/office/powerpoint/2010/main" val="3951860473"/>
+                <p14:modId xmlns:p14="http://schemas.microsoft.com/office/powerpoint/2010/main" xmlns="" val="3951860473"/>
               </p:ext>
             </p:extLst>
           </p:nvPr>
@@ -49457,7 +49446,7 @@
           <p:nvPr>
             <p:extLst>
               <p:ext uri="{D42A27DB-BD31-4B8C-83A1-F6EECF244321}">
-                <p14:modId xmlns="" xmlns:p14="http://schemas.microsoft.com/office/powerpoint/2010/main" val="2539850713"/>
+                <p14:modId xmlns:p14="http://schemas.microsoft.com/office/powerpoint/2010/main" xmlns="" val="2539850713"/>
               </p:ext>
             </p:extLst>
           </p:nvPr>
@@ -49526,7 +49515,7 @@
           <a:blip r:embed="rId10">
             <a:extLst>
               <a:ext uri="{28A0092B-C50C-407E-A947-70E740481C1C}">
-                <a14:useLocalDpi xmlns="" xmlns:a14="http://schemas.microsoft.com/office/drawing/2010/main" val="0"/>
+                <a14:useLocalDpi xmlns:a14="http://schemas.microsoft.com/office/drawing/2010/main" xmlns="" val="0"/>
               </a:ext>
             </a:extLst>
           </a:blip>
@@ -49556,7 +49545,7 @@
           <a:effectLst/>
           <a:extLst>
             <a:ext uri="{91240B29-F687-4F45-9708-019B960494DF}">
-              <a14:hiddenLine xmlns="" xmlns:a14="http://schemas.microsoft.com/office/drawing/2010/main" w="9525">
+              <a14:hiddenLine xmlns:a14="http://schemas.microsoft.com/office/drawing/2010/main" xmlns="" w="9525">
                 <a:solidFill>
                   <a:schemeClr val="tx1"/>
                 </a:solidFill>
@@ -49652,7 +49641,7 @@
     </p:spTree>
     <p:extLst>
       <p:ext uri="{BB962C8B-B14F-4D97-AF65-F5344CB8AC3E}">
-        <p14:creationId xmlns="" xmlns:p14="http://schemas.microsoft.com/office/powerpoint/2010/main" val="2068694800"/>
+        <p14:creationId xmlns:p14="http://schemas.microsoft.com/office/powerpoint/2010/main" xmlns="" val="2068694800"/>
       </p:ext>
     </p:extLst>
   </p:cSld>
